--- a/assets/img/drawings.pptx
+++ b/assets/img/drawings.pptx
@@ -6,6 +6,7 @@
   </p:sldMasterIdLst>
   <p:sldIdLst>
     <p:sldId id="256" r:id="rId2"/>
+    <p:sldId id="257" r:id="rId3"/>
   </p:sldIdLst>
   <p:sldSz cx="12192000" cy="6858000"/>
   <p:notesSz cx="6858000" cy="9144000"/>
@@ -104,6 +105,11 @@
       </a:defRPr>
     </a:lvl9pPr>
   </p:defaultTextStyle>
+  <p:extLst>
+    <p:ext uri="{EFAFB233-063F-42B5-8137-9DF3F51BA10A}">
+      <p15:sldGuideLst xmlns:p15="http://schemas.microsoft.com/office/powerpoint/2012/main"/>
+    </p:ext>
+  </p:extLst>
 </p:presentation>
 </file>
 
@@ -238,7 +244,7 @@
           <a:p>
             <a:fld id="{94480A8E-0119-4606-B4C1-A8BF2D4EFD19}" type="datetimeFigureOut">
               <a:rPr lang="ko-KR" altLang="en-US" smtClean="0"/>
-              <a:t>2022-06-03</a:t>
+              <a:t>2022-06-08</a:t>
             </a:fld>
             <a:endParaRPr lang="ko-KR" altLang="en-US"/>
           </a:p>
@@ -408,7 +414,7 @@
           <a:p>
             <a:fld id="{94480A8E-0119-4606-B4C1-A8BF2D4EFD19}" type="datetimeFigureOut">
               <a:rPr lang="ko-KR" altLang="en-US" smtClean="0"/>
-              <a:t>2022-06-03</a:t>
+              <a:t>2022-06-08</a:t>
             </a:fld>
             <a:endParaRPr lang="ko-KR" altLang="en-US"/>
           </a:p>
@@ -588,7 +594,7 @@
           <a:p>
             <a:fld id="{94480A8E-0119-4606-B4C1-A8BF2D4EFD19}" type="datetimeFigureOut">
               <a:rPr lang="ko-KR" altLang="en-US" smtClean="0"/>
-              <a:t>2022-06-03</a:t>
+              <a:t>2022-06-08</a:t>
             </a:fld>
             <a:endParaRPr lang="ko-KR" altLang="en-US"/>
           </a:p>
@@ -758,7 +764,7 @@
           <a:p>
             <a:fld id="{94480A8E-0119-4606-B4C1-A8BF2D4EFD19}" type="datetimeFigureOut">
               <a:rPr lang="ko-KR" altLang="en-US" smtClean="0"/>
-              <a:t>2022-06-03</a:t>
+              <a:t>2022-06-08</a:t>
             </a:fld>
             <a:endParaRPr lang="ko-KR" altLang="en-US"/>
           </a:p>
@@ -1004,7 +1010,7 @@
           <a:p>
             <a:fld id="{94480A8E-0119-4606-B4C1-A8BF2D4EFD19}" type="datetimeFigureOut">
               <a:rPr lang="ko-KR" altLang="en-US" smtClean="0"/>
-              <a:t>2022-06-03</a:t>
+              <a:t>2022-06-08</a:t>
             </a:fld>
             <a:endParaRPr lang="ko-KR" altLang="en-US"/>
           </a:p>
@@ -1236,7 +1242,7 @@
           <a:p>
             <a:fld id="{94480A8E-0119-4606-B4C1-A8BF2D4EFD19}" type="datetimeFigureOut">
               <a:rPr lang="ko-KR" altLang="en-US" smtClean="0"/>
-              <a:t>2022-06-03</a:t>
+              <a:t>2022-06-08</a:t>
             </a:fld>
             <a:endParaRPr lang="ko-KR" altLang="en-US"/>
           </a:p>
@@ -1603,7 +1609,7 @@
           <a:p>
             <a:fld id="{94480A8E-0119-4606-B4C1-A8BF2D4EFD19}" type="datetimeFigureOut">
               <a:rPr lang="ko-KR" altLang="en-US" smtClean="0"/>
-              <a:t>2022-06-03</a:t>
+              <a:t>2022-06-08</a:t>
             </a:fld>
             <a:endParaRPr lang="ko-KR" altLang="en-US"/>
           </a:p>
@@ -1721,7 +1727,7 @@
           <a:p>
             <a:fld id="{94480A8E-0119-4606-B4C1-A8BF2D4EFD19}" type="datetimeFigureOut">
               <a:rPr lang="ko-KR" altLang="en-US" smtClean="0"/>
-              <a:t>2022-06-03</a:t>
+              <a:t>2022-06-08</a:t>
             </a:fld>
             <a:endParaRPr lang="ko-KR" altLang="en-US"/>
           </a:p>
@@ -1816,7 +1822,7 @@
           <a:p>
             <a:fld id="{94480A8E-0119-4606-B4C1-A8BF2D4EFD19}" type="datetimeFigureOut">
               <a:rPr lang="ko-KR" altLang="en-US" smtClean="0"/>
-              <a:t>2022-06-03</a:t>
+              <a:t>2022-06-08</a:t>
             </a:fld>
             <a:endParaRPr lang="ko-KR" altLang="en-US"/>
           </a:p>
@@ -2093,7 +2099,7 @@
           <a:p>
             <a:fld id="{94480A8E-0119-4606-B4C1-A8BF2D4EFD19}" type="datetimeFigureOut">
               <a:rPr lang="ko-KR" altLang="en-US" smtClean="0"/>
-              <a:t>2022-06-03</a:t>
+              <a:t>2022-06-08</a:t>
             </a:fld>
             <a:endParaRPr lang="ko-KR" altLang="en-US"/>
           </a:p>
@@ -2346,7 +2352,7 @@
           <a:p>
             <a:fld id="{94480A8E-0119-4606-B4C1-A8BF2D4EFD19}" type="datetimeFigureOut">
               <a:rPr lang="ko-KR" altLang="en-US" smtClean="0"/>
-              <a:t>2022-06-03</a:t>
+              <a:t>2022-06-08</a:t>
             </a:fld>
             <a:endParaRPr lang="ko-KR" altLang="en-US"/>
           </a:p>
@@ -2559,7 +2565,7 @@
           <a:p>
             <a:fld id="{94480A8E-0119-4606-B4C1-A8BF2D4EFD19}" type="datetimeFigureOut">
               <a:rPr lang="ko-KR" altLang="en-US" smtClean="0"/>
-              <a:t>2022-06-03</a:t>
+              <a:t>2022-06-08</a:t>
             </a:fld>
             <a:endParaRPr lang="ko-KR" altLang="en-US"/>
           </a:p>
@@ -6000,6 +6006,99 @@
 </p:sld>
 </file>
 
+<file path=ppt/slides/slide2.xml><?xml version="1.0" encoding="utf-8"?>
+<p:sld xmlns:a="http://schemas.openxmlformats.org/drawingml/2006/main" xmlns:r="http://schemas.openxmlformats.org/officeDocument/2006/relationships" xmlns:p="http://schemas.openxmlformats.org/presentationml/2006/main">
+  <p:cSld>
+    <p:spTree>
+      <p:nvGrpSpPr>
+        <p:cNvPr id="1" name=""/>
+        <p:cNvGrpSpPr/>
+        <p:nvPr/>
+      </p:nvGrpSpPr>
+      <p:grpSpPr>
+        <a:xfrm>
+          <a:off x="0" y="0"/>
+          <a:ext cx="0" cy="0"/>
+          <a:chOff x="0" y="0"/>
+          <a:chExt cx="0" cy="0"/>
+        </a:xfrm>
+      </p:grpSpPr>
+      <p:grpSp>
+        <p:nvGrpSpPr>
+          <p:cNvPr id="6" name="그룹 5"/>
+          <p:cNvGrpSpPr/>
+          <p:nvPr/>
+        </p:nvGrpSpPr>
+        <p:grpSpPr>
+          <a:xfrm>
+            <a:off x="400050" y="275193"/>
+            <a:ext cx="7759349" cy="5401707"/>
+            <a:chOff x="400050" y="275193"/>
+            <a:chExt cx="7759349" cy="5401707"/>
+          </a:xfrm>
+        </p:grpSpPr>
+        <p:pic>
+          <p:nvPicPr>
+            <p:cNvPr id="4" name="그림 3"/>
+            <p:cNvPicPr>
+              <a:picLocks noChangeAspect="1"/>
+            </p:cNvPicPr>
+            <p:nvPr/>
+          </p:nvPicPr>
+          <p:blipFill>
+            <a:blip r:embed="rId2"/>
+            <a:stretch>
+              <a:fillRect/>
+            </a:stretch>
+          </p:blipFill>
+          <p:spPr>
+            <a:xfrm>
+              <a:off x="400050" y="275193"/>
+              <a:ext cx="3867568" cy="5259399"/>
+            </a:xfrm>
+            <a:prstGeom prst="rect">
+              <a:avLst/>
+            </a:prstGeom>
+          </p:spPr>
+        </p:pic>
+        <p:pic>
+          <p:nvPicPr>
+            <p:cNvPr id="5" name="그림 4"/>
+            <p:cNvPicPr>
+              <a:picLocks noChangeAspect="1"/>
+            </p:cNvPicPr>
+            <p:nvPr/>
+          </p:nvPicPr>
+          <p:blipFill>
+            <a:blip r:embed="rId3"/>
+            <a:stretch>
+              <a:fillRect/>
+            </a:stretch>
+          </p:blipFill>
+          <p:spPr>
+            <a:xfrm>
+              <a:off x="4267618" y="275193"/>
+              <a:ext cx="3891781" cy="5401707"/>
+            </a:xfrm>
+            <a:prstGeom prst="rect">
+              <a:avLst/>
+            </a:prstGeom>
+          </p:spPr>
+        </p:pic>
+      </p:grpSp>
+    </p:spTree>
+    <p:extLst>
+      <p:ext uri="{BB962C8B-B14F-4D97-AF65-F5344CB8AC3E}">
+        <p14:creationId xmlns:p14="http://schemas.microsoft.com/office/powerpoint/2010/main" val="3273118583"/>
+      </p:ext>
+    </p:extLst>
+  </p:cSld>
+  <p:clrMapOvr>
+    <a:masterClrMapping/>
+  </p:clrMapOvr>
+</p:sld>
+</file>
+
 <file path=ppt/theme/theme1.xml><?xml version="1.0" encoding="utf-8"?>
 <a:theme xmlns:a="http://schemas.openxmlformats.org/drawingml/2006/main" name="Office 테마">
   <a:themeElements>

--- a/assets/img/drawings.pptx
+++ b/assets/img/drawings.pptx
@@ -7,6 +7,7 @@
   <p:sldIdLst>
     <p:sldId id="256" r:id="rId2"/>
     <p:sldId id="257" r:id="rId3"/>
+    <p:sldId id="258" r:id="rId4"/>
   </p:sldIdLst>
   <p:sldSz cx="12192000" cy="6858000"/>
   <p:notesSz cx="6858000" cy="9144000"/>
@@ -244,7 +245,7 @@
           <a:p>
             <a:fld id="{94480A8E-0119-4606-B4C1-A8BF2D4EFD19}" type="datetimeFigureOut">
               <a:rPr lang="ko-KR" altLang="en-US" smtClean="0"/>
-              <a:t>2022-06-08</a:t>
+              <a:t>2022-06-11</a:t>
             </a:fld>
             <a:endParaRPr lang="ko-KR" altLang="en-US"/>
           </a:p>
@@ -414,7 +415,7 @@
           <a:p>
             <a:fld id="{94480A8E-0119-4606-B4C1-A8BF2D4EFD19}" type="datetimeFigureOut">
               <a:rPr lang="ko-KR" altLang="en-US" smtClean="0"/>
-              <a:t>2022-06-08</a:t>
+              <a:t>2022-06-11</a:t>
             </a:fld>
             <a:endParaRPr lang="ko-KR" altLang="en-US"/>
           </a:p>
@@ -594,7 +595,7 @@
           <a:p>
             <a:fld id="{94480A8E-0119-4606-B4C1-A8BF2D4EFD19}" type="datetimeFigureOut">
               <a:rPr lang="ko-KR" altLang="en-US" smtClean="0"/>
-              <a:t>2022-06-08</a:t>
+              <a:t>2022-06-11</a:t>
             </a:fld>
             <a:endParaRPr lang="ko-KR" altLang="en-US"/>
           </a:p>
@@ -764,7 +765,7 @@
           <a:p>
             <a:fld id="{94480A8E-0119-4606-B4C1-A8BF2D4EFD19}" type="datetimeFigureOut">
               <a:rPr lang="ko-KR" altLang="en-US" smtClean="0"/>
-              <a:t>2022-06-08</a:t>
+              <a:t>2022-06-11</a:t>
             </a:fld>
             <a:endParaRPr lang="ko-KR" altLang="en-US"/>
           </a:p>
@@ -1010,7 +1011,7 @@
           <a:p>
             <a:fld id="{94480A8E-0119-4606-B4C1-A8BF2D4EFD19}" type="datetimeFigureOut">
               <a:rPr lang="ko-KR" altLang="en-US" smtClean="0"/>
-              <a:t>2022-06-08</a:t>
+              <a:t>2022-06-11</a:t>
             </a:fld>
             <a:endParaRPr lang="ko-KR" altLang="en-US"/>
           </a:p>
@@ -1242,7 +1243,7 @@
           <a:p>
             <a:fld id="{94480A8E-0119-4606-B4C1-A8BF2D4EFD19}" type="datetimeFigureOut">
               <a:rPr lang="ko-KR" altLang="en-US" smtClean="0"/>
-              <a:t>2022-06-08</a:t>
+              <a:t>2022-06-11</a:t>
             </a:fld>
             <a:endParaRPr lang="ko-KR" altLang="en-US"/>
           </a:p>
@@ -1609,7 +1610,7 @@
           <a:p>
             <a:fld id="{94480A8E-0119-4606-B4C1-A8BF2D4EFD19}" type="datetimeFigureOut">
               <a:rPr lang="ko-KR" altLang="en-US" smtClean="0"/>
-              <a:t>2022-06-08</a:t>
+              <a:t>2022-06-11</a:t>
             </a:fld>
             <a:endParaRPr lang="ko-KR" altLang="en-US"/>
           </a:p>
@@ -1727,7 +1728,7 @@
           <a:p>
             <a:fld id="{94480A8E-0119-4606-B4C1-A8BF2D4EFD19}" type="datetimeFigureOut">
               <a:rPr lang="ko-KR" altLang="en-US" smtClean="0"/>
-              <a:t>2022-06-08</a:t>
+              <a:t>2022-06-11</a:t>
             </a:fld>
             <a:endParaRPr lang="ko-KR" altLang="en-US"/>
           </a:p>
@@ -1822,7 +1823,7 @@
           <a:p>
             <a:fld id="{94480A8E-0119-4606-B4C1-A8BF2D4EFD19}" type="datetimeFigureOut">
               <a:rPr lang="ko-KR" altLang="en-US" smtClean="0"/>
-              <a:t>2022-06-08</a:t>
+              <a:t>2022-06-11</a:t>
             </a:fld>
             <a:endParaRPr lang="ko-KR" altLang="en-US"/>
           </a:p>
@@ -2099,7 +2100,7 @@
           <a:p>
             <a:fld id="{94480A8E-0119-4606-B4C1-A8BF2D4EFD19}" type="datetimeFigureOut">
               <a:rPr lang="ko-KR" altLang="en-US" smtClean="0"/>
-              <a:t>2022-06-08</a:t>
+              <a:t>2022-06-11</a:t>
             </a:fld>
             <a:endParaRPr lang="ko-KR" altLang="en-US"/>
           </a:p>
@@ -2352,7 +2353,7 @@
           <a:p>
             <a:fld id="{94480A8E-0119-4606-B4C1-A8BF2D4EFD19}" type="datetimeFigureOut">
               <a:rPr lang="ko-KR" altLang="en-US" smtClean="0"/>
-              <a:t>2022-06-08</a:t>
+              <a:t>2022-06-11</a:t>
             </a:fld>
             <a:endParaRPr lang="ko-KR" altLang="en-US"/>
           </a:p>
@@ -2565,7 +2566,7 @@
           <a:p>
             <a:fld id="{94480A8E-0119-4606-B4C1-A8BF2D4EFD19}" type="datetimeFigureOut">
               <a:rPr lang="ko-KR" altLang="en-US" smtClean="0"/>
-              <a:t>2022-06-08</a:t>
+              <a:t>2022-06-11</a:t>
             </a:fld>
             <a:endParaRPr lang="ko-KR" altLang="en-US"/>
           </a:p>
@@ -6099,6 +6100,1272 @@
 </p:sld>
 </file>
 
+<file path=ppt/slides/slide3.xml><?xml version="1.0" encoding="utf-8"?>
+<p:sld xmlns:a="http://schemas.openxmlformats.org/drawingml/2006/main" xmlns:r="http://schemas.openxmlformats.org/officeDocument/2006/relationships" xmlns:p="http://schemas.openxmlformats.org/presentationml/2006/main">
+  <p:cSld>
+    <p:spTree>
+      <p:nvGrpSpPr>
+        <p:cNvPr id="1" name=""/>
+        <p:cNvGrpSpPr/>
+        <p:nvPr/>
+      </p:nvGrpSpPr>
+      <p:grpSpPr>
+        <a:xfrm>
+          <a:off x="0" y="0"/>
+          <a:ext cx="0" cy="0"/>
+          <a:chOff x="0" y="0"/>
+          <a:chExt cx="0" cy="0"/>
+        </a:xfrm>
+      </p:grpSpPr>
+      <p:grpSp>
+        <p:nvGrpSpPr>
+          <p:cNvPr id="26" name="그룹 25"/>
+          <p:cNvGrpSpPr/>
+          <p:nvPr/>
+        </p:nvGrpSpPr>
+        <p:grpSpPr>
+          <a:xfrm>
+            <a:off x="400169" y="253582"/>
+            <a:ext cx="10124392" cy="5537692"/>
+            <a:chOff x="400169" y="253582"/>
+            <a:chExt cx="10124392" cy="5537692"/>
+          </a:xfrm>
+        </p:grpSpPr>
+        <p:grpSp>
+          <p:nvGrpSpPr>
+            <p:cNvPr id="14" name="그룹 13"/>
+            <p:cNvGrpSpPr/>
+            <p:nvPr/>
+          </p:nvGrpSpPr>
+          <p:grpSpPr>
+            <a:xfrm>
+              <a:off x="400169" y="253582"/>
+              <a:ext cx="10124392" cy="5537692"/>
+              <a:chOff x="377309" y="230722"/>
+              <a:chExt cx="10124392" cy="5537692"/>
+            </a:xfrm>
+          </p:grpSpPr>
+          <p:grpSp>
+            <p:nvGrpSpPr>
+              <p:cNvPr id="9" name="그룹 8"/>
+              <p:cNvGrpSpPr/>
+              <p:nvPr/>
+            </p:nvGrpSpPr>
+            <p:grpSpPr>
+              <a:xfrm>
+                <a:off x="377309" y="230722"/>
+                <a:ext cx="10124392" cy="5537692"/>
+                <a:chOff x="377309" y="230722"/>
+                <a:chExt cx="10124392" cy="5537692"/>
+              </a:xfrm>
+            </p:grpSpPr>
+            <p:pic>
+              <p:nvPicPr>
+                <p:cNvPr id="4" name="그림 3"/>
+                <p:cNvPicPr>
+                  <a:picLocks noChangeAspect="1"/>
+                </p:cNvPicPr>
+                <p:nvPr/>
+              </p:nvPicPr>
+              <p:blipFill>
+                <a:blip r:embed="rId2"/>
+                <a:stretch>
+                  <a:fillRect/>
+                </a:stretch>
+              </p:blipFill>
+              <p:spPr>
+                <a:xfrm>
+                  <a:off x="377309" y="230722"/>
+                  <a:ext cx="4932575" cy="2642451"/>
+                </a:xfrm>
+                <a:prstGeom prst="rect">
+                  <a:avLst/>
+                </a:prstGeom>
+              </p:spPr>
+            </p:pic>
+            <p:pic>
+              <p:nvPicPr>
+                <p:cNvPr id="5" name="그림 4"/>
+                <p:cNvPicPr>
+                  <a:picLocks noChangeAspect="1"/>
+                </p:cNvPicPr>
+                <p:nvPr/>
+              </p:nvPicPr>
+              <p:blipFill>
+                <a:blip r:embed="rId3"/>
+                <a:stretch>
+                  <a:fillRect/>
+                </a:stretch>
+              </p:blipFill>
+              <p:spPr>
+                <a:xfrm>
+                  <a:off x="5574149" y="230722"/>
+                  <a:ext cx="4927552" cy="2642092"/>
+                </a:xfrm>
+                <a:prstGeom prst="rect">
+                  <a:avLst/>
+                </a:prstGeom>
+              </p:spPr>
+            </p:pic>
+            <p:pic>
+              <p:nvPicPr>
+                <p:cNvPr id="6" name="그림 5"/>
+                <p:cNvPicPr>
+                  <a:picLocks noChangeAspect="1"/>
+                </p:cNvPicPr>
+                <p:nvPr/>
+              </p:nvPicPr>
+              <p:blipFill>
+                <a:blip r:embed="rId4"/>
+                <a:stretch>
+                  <a:fillRect/>
+                </a:stretch>
+              </p:blipFill>
+              <p:spPr>
+                <a:xfrm>
+                  <a:off x="386261" y="3126322"/>
+                  <a:ext cx="4932575" cy="2642092"/>
+                </a:xfrm>
+                <a:prstGeom prst="rect">
+                  <a:avLst/>
+                </a:prstGeom>
+              </p:spPr>
+            </p:pic>
+            <p:pic>
+              <p:nvPicPr>
+                <p:cNvPr id="7" name="그림 6"/>
+                <p:cNvPicPr>
+                  <a:picLocks noChangeAspect="1"/>
+                </p:cNvPicPr>
+                <p:nvPr/>
+              </p:nvPicPr>
+              <p:blipFill>
+                <a:blip r:embed="rId5"/>
+                <a:stretch>
+                  <a:fillRect/>
+                </a:stretch>
+              </p:blipFill>
+              <p:spPr>
+                <a:xfrm>
+                  <a:off x="5584195" y="3126322"/>
+                  <a:ext cx="4917506" cy="2642092"/>
+                </a:xfrm>
+                <a:prstGeom prst="rect">
+                  <a:avLst/>
+                </a:prstGeom>
+              </p:spPr>
+            </p:pic>
+          </p:grpSp>
+          <p:sp>
+            <p:nvSpPr>
+              <p:cNvPr id="10" name="타원 9"/>
+              <p:cNvSpPr/>
+              <p:nvPr/>
+            </p:nvSpPr>
+            <p:spPr>
+              <a:xfrm>
+                <a:off x="525780" y="342900"/>
+                <a:ext cx="487680" cy="487680"/>
+              </a:xfrm>
+              <a:prstGeom prst="ellipse">
+                <a:avLst/>
+              </a:prstGeom>
+              <a:solidFill>
+                <a:schemeClr val="bg1"/>
+              </a:solidFill>
+              <a:ln>
+                <a:noFill/>
+              </a:ln>
+            </p:spPr>
+            <p:style>
+              <a:lnRef idx="2">
+                <a:schemeClr val="accent1">
+                  <a:shade val="50000"/>
+                </a:schemeClr>
+              </a:lnRef>
+              <a:fillRef idx="1">
+                <a:schemeClr val="accent1"/>
+              </a:fillRef>
+              <a:effectRef idx="0">
+                <a:schemeClr val="accent1"/>
+              </a:effectRef>
+              <a:fontRef idx="minor">
+                <a:schemeClr val="lt1"/>
+              </a:fontRef>
+            </p:style>
+            <p:txBody>
+              <a:bodyPr rtlCol="0" anchor="ctr"/>
+              <a:lstStyle/>
+              <a:p>
+                <a:pPr algn="ctr"/>
+                <a:r>
+                  <a:rPr lang="en-US" altLang="ko-KR" sz="2400" b="1" dirty="0" smtClean="0">
+                    <a:solidFill>
+                      <a:schemeClr val="tx1"/>
+                    </a:solidFill>
+                  </a:rPr>
+                  <a:t>1</a:t>
+                </a:r>
+                <a:endParaRPr lang="ko-KR" altLang="en-US" sz="2400" b="1" dirty="0">
+                  <a:solidFill>
+                    <a:schemeClr val="tx1"/>
+                  </a:solidFill>
+                </a:endParaRPr>
+              </a:p>
+            </p:txBody>
+          </p:sp>
+          <p:sp>
+            <p:nvSpPr>
+              <p:cNvPr id="11" name="타원 10"/>
+              <p:cNvSpPr/>
+              <p:nvPr/>
+            </p:nvSpPr>
+            <p:spPr>
+              <a:xfrm>
+                <a:off x="5715000" y="342900"/>
+                <a:ext cx="487680" cy="487680"/>
+              </a:xfrm>
+              <a:prstGeom prst="ellipse">
+                <a:avLst/>
+              </a:prstGeom>
+              <a:solidFill>
+                <a:schemeClr val="bg1"/>
+              </a:solidFill>
+              <a:ln>
+                <a:noFill/>
+              </a:ln>
+            </p:spPr>
+            <p:style>
+              <a:lnRef idx="2">
+                <a:schemeClr val="accent1">
+                  <a:shade val="50000"/>
+                </a:schemeClr>
+              </a:lnRef>
+              <a:fillRef idx="1">
+                <a:schemeClr val="accent1"/>
+              </a:fillRef>
+              <a:effectRef idx="0">
+                <a:schemeClr val="accent1"/>
+              </a:effectRef>
+              <a:fontRef idx="minor">
+                <a:schemeClr val="lt1"/>
+              </a:fontRef>
+            </p:style>
+            <p:txBody>
+              <a:bodyPr rtlCol="0" anchor="ctr"/>
+              <a:lstStyle/>
+              <a:p>
+                <a:pPr algn="ctr"/>
+                <a:r>
+                  <a:rPr lang="en-US" altLang="ko-KR" sz="2400" b="1" dirty="0" smtClean="0">
+                    <a:solidFill>
+                      <a:schemeClr val="tx1"/>
+                    </a:solidFill>
+                  </a:rPr>
+                  <a:t>2</a:t>
+                </a:r>
+                <a:endParaRPr lang="ko-KR" altLang="en-US" sz="2400" b="1" dirty="0">
+                  <a:solidFill>
+                    <a:schemeClr val="tx1"/>
+                  </a:solidFill>
+                </a:endParaRPr>
+              </a:p>
+            </p:txBody>
+          </p:sp>
+          <p:sp>
+            <p:nvSpPr>
+              <p:cNvPr id="12" name="타원 11"/>
+              <p:cNvSpPr/>
+              <p:nvPr/>
+            </p:nvSpPr>
+            <p:spPr>
+              <a:xfrm>
+                <a:off x="5715000" y="3284220"/>
+                <a:ext cx="487680" cy="487680"/>
+              </a:xfrm>
+              <a:prstGeom prst="ellipse">
+                <a:avLst/>
+              </a:prstGeom>
+              <a:solidFill>
+                <a:schemeClr val="bg1"/>
+              </a:solidFill>
+              <a:ln>
+                <a:noFill/>
+              </a:ln>
+            </p:spPr>
+            <p:style>
+              <a:lnRef idx="2">
+                <a:schemeClr val="accent1">
+                  <a:shade val="50000"/>
+                </a:schemeClr>
+              </a:lnRef>
+              <a:fillRef idx="1">
+                <a:schemeClr val="accent1"/>
+              </a:fillRef>
+              <a:effectRef idx="0">
+                <a:schemeClr val="accent1"/>
+              </a:effectRef>
+              <a:fontRef idx="minor">
+                <a:schemeClr val="lt1"/>
+              </a:fontRef>
+            </p:style>
+            <p:txBody>
+              <a:bodyPr rtlCol="0" anchor="ctr"/>
+              <a:lstStyle/>
+              <a:p>
+                <a:pPr algn="ctr"/>
+                <a:r>
+                  <a:rPr lang="en-US" altLang="ko-KR" sz="2400" b="1" dirty="0">
+                    <a:solidFill>
+                      <a:schemeClr val="tx1"/>
+                    </a:solidFill>
+                  </a:rPr>
+                  <a:t>4</a:t>
+                </a:r>
+                <a:endParaRPr lang="ko-KR" altLang="en-US" sz="2400" b="1" dirty="0">
+                  <a:solidFill>
+                    <a:schemeClr val="tx1"/>
+                  </a:solidFill>
+                </a:endParaRPr>
+              </a:p>
+            </p:txBody>
+          </p:sp>
+          <p:sp>
+            <p:nvSpPr>
+              <p:cNvPr id="13" name="타원 12"/>
+              <p:cNvSpPr/>
+              <p:nvPr/>
+            </p:nvSpPr>
+            <p:spPr>
+              <a:xfrm>
+                <a:off x="525780" y="3284220"/>
+                <a:ext cx="487680" cy="487680"/>
+              </a:xfrm>
+              <a:prstGeom prst="ellipse">
+                <a:avLst/>
+              </a:prstGeom>
+              <a:solidFill>
+                <a:schemeClr val="bg1"/>
+              </a:solidFill>
+              <a:ln>
+                <a:noFill/>
+              </a:ln>
+            </p:spPr>
+            <p:style>
+              <a:lnRef idx="2">
+                <a:schemeClr val="accent1">
+                  <a:shade val="50000"/>
+                </a:schemeClr>
+              </a:lnRef>
+              <a:fillRef idx="1">
+                <a:schemeClr val="accent1"/>
+              </a:fillRef>
+              <a:effectRef idx="0">
+                <a:schemeClr val="accent1"/>
+              </a:effectRef>
+              <a:fontRef idx="minor">
+                <a:schemeClr val="lt1"/>
+              </a:fontRef>
+            </p:style>
+            <p:txBody>
+              <a:bodyPr rtlCol="0" anchor="ctr"/>
+              <a:lstStyle/>
+              <a:p>
+                <a:pPr algn="ctr"/>
+                <a:r>
+                  <a:rPr lang="en-US" altLang="ko-KR" sz="2400" b="1" dirty="0" smtClean="0">
+                    <a:solidFill>
+                      <a:schemeClr val="tx1"/>
+                    </a:solidFill>
+                  </a:rPr>
+                  <a:t>3</a:t>
+                </a:r>
+                <a:endParaRPr lang="ko-KR" altLang="en-US" sz="2400" b="1" dirty="0">
+                  <a:solidFill>
+                    <a:schemeClr val="tx1"/>
+                  </a:solidFill>
+                </a:endParaRPr>
+              </a:p>
+            </p:txBody>
+          </p:sp>
+        </p:grpSp>
+        <p:sp>
+          <p:nvSpPr>
+            <p:cNvPr id="17" name="빗면 16"/>
+            <p:cNvSpPr/>
+            <p:nvPr/>
+          </p:nvSpPr>
+          <p:spPr>
+            <a:xfrm>
+              <a:off x="802982" y="1275911"/>
+              <a:ext cx="386409" cy="383857"/>
+            </a:xfrm>
+            <a:prstGeom prst="bevel">
+              <a:avLst>
+                <a:gd name="adj" fmla="val 9451"/>
+              </a:avLst>
+            </a:prstGeom>
+            <a:solidFill>
+              <a:schemeClr val="accent1">
+                <a:lumMod val="20000"/>
+                <a:lumOff val="80000"/>
+              </a:schemeClr>
+            </a:solidFill>
+            <a:ln cap="rnd">
+              <a:solidFill>
+                <a:schemeClr val="tx1">
+                  <a:lumMod val="65000"/>
+                  <a:lumOff val="35000"/>
+                </a:schemeClr>
+              </a:solidFill>
+              <a:round/>
+            </a:ln>
+          </p:spPr>
+          <p:style>
+            <a:lnRef idx="2">
+              <a:schemeClr val="accent1">
+                <a:shade val="50000"/>
+              </a:schemeClr>
+            </a:lnRef>
+            <a:fillRef idx="1">
+              <a:schemeClr val="accent1"/>
+            </a:fillRef>
+            <a:effectRef idx="0">
+              <a:schemeClr val="accent1"/>
+            </a:effectRef>
+            <a:fontRef idx="minor">
+              <a:schemeClr val="lt1"/>
+            </a:fontRef>
+          </p:style>
+          <p:txBody>
+            <a:bodyPr rtlCol="0" anchor="ctr"/>
+            <a:lstStyle/>
+            <a:p>
+              <a:pPr algn="ctr"/>
+              <a:r>
+                <a:rPr lang="ko-KR" altLang="en-US" b="1" dirty="0" smtClean="0">
+                  <a:solidFill>
+                    <a:schemeClr val="tx1"/>
+                  </a:solidFill>
+                </a:rPr>
+                <a:t>↓</a:t>
+              </a:r>
+              <a:endParaRPr lang="ko-KR" altLang="en-US" b="1" dirty="0">
+                <a:solidFill>
+                  <a:schemeClr val="tx1"/>
+                </a:solidFill>
+              </a:endParaRPr>
+            </a:p>
+          </p:txBody>
+        </p:sp>
+        <p:sp>
+          <p:nvSpPr>
+            <p:cNvPr id="18" name="빗면 17"/>
+            <p:cNvSpPr/>
+            <p:nvPr/>
+          </p:nvSpPr>
+          <p:spPr>
+            <a:xfrm>
+              <a:off x="1773573" y="1275911"/>
+              <a:ext cx="897256" cy="383857"/>
+            </a:xfrm>
+            <a:prstGeom prst="bevel">
+              <a:avLst>
+                <a:gd name="adj" fmla="val 9451"/>
+              </a:avLst>
+            </a:prstGeom>
+            <a:solidFill>
+              <a:schemeClr val="accent1">
+                <a:lumMod val="20000"/>
+                <a:lumOff val="80000"/>
+              </a:schemeClr>
+            </a:solidFill>
+            <a:ln cap="rnd">
+              <a:solidFill>
+                <a:schemeClr val="tx1">
+                  <a:lumMod val="65000"/>
+                  <a:lumOff val="35000"/>
+                </a:schemeClr>
+              </a:solidFill>
+              <a:round/>
+            </a:ln>
+          </p:spPr>
+          <p:style>
+            <a:lnRef idx="2">
+              <a:schemeClr val="accent1">
+                <a:shade val="50000"/>
+              </a:schemeClr>
+            </a:lnRef>
+            <a:fillRef idx="1">
+              <a:schemeClr val="accent1"/>
+            </a:fillRef>
+            <a:effectRef idx="0">
+              <a:schemeClr val="accent1"/>
+            </a:effectRef>
+            <a:fontRef idx="minor">
+              <a:schemeClr val="lt1"/>
+            </a:fontRef>
+          </p:style>
+          <p:txBody>
+            <a:bodyPr rtlCol="0" anchor="ctr"/>
+            <a:lstStyle/>
+            <a:p>
+              <a:pPr algn="ctr"/>
+              <a:r>
+                <a:rPr lang="en-US" altLang="ko-KR" b="1" dirty="0" smtClean="0">
+                  <a:solidFill>
+                    <a:schemeClr val="tx1"/>
+                  </a:solidFill>
+                </a:rPr>
+                <a:t>Jump</a:t>
+              </a:r>
+              <a:endParaRPr lang="ko-KR" altLang="en-US" b="1" dirty="0">
+                <a:solidFill>
+                  <a:schemeClr val="tx1"/>
+                </a:solidFill>
+              </a:endParaRPr>
+            </a:p>
+          </p:txBody>
+        </p:sp>
+        <p:sp>
+          <p:nvSpPr>
+            <p:cNvPr id="19" name="TextBox 18"/>
+            <p:cNvSpPr txBox="1"/>
+            <p:nvPr/>
+          </p:nvSpPr>
+          <p:spPr>
+            <a:xfrm>
+              <a:off x="1260452" y="1168128"/>
+              <a:ext cx="436338" cy="523220"/>
+            </a:xfrm>
+            <a:prstGeom prst="rect">
+              <a:avLst/>
+            </a:prstGeom>
+            <a:noFill/>
+          </p:spPr>
+          <p:txBody>
+            <a:bodyPr wrap="none" rtlCol="0">
+              <a:spAutoFit/>
+            </a:bodyPr>
+            <a:lstStyle/>
+            <a:p>
+              <a:pPr algn="ctr"/>
+              <a:r>
+                <a:rPr lang="en-US" altLang="ko-KR" sz="2800" dirty="0" smtClean="0">
+                  <a:solidFill>
+                    <a:schemeClr val="bg1"/>
+                  </a:solidFill>
+                </a:rPr>
+                <a:t>+</a:t>
+              </a:r>
+              <a:endParaRPr lang="ko-KR" altLang="en-US" sz="2800" dirty="0">
+                <a:solidFill>
+                  <a:schemeClr val="bg1"/>
+                </a:solidFill>
+              </a:endParaRPr>
+            </a:p>
+          </p:txBody>
+        </p:sp>
+        <p:sp>
+          <p:nvSpPr>
+            <p:cNvPr id="23" name="모서리가 둥근 사각형 설명선 22"/>
+            <p:cNvSpPr/>
+            <p:nvPr/>
+          </p:nvSpPr>
+          <p:spPr>
+            <a:xfrm>
+              <a:off x="5788025" y="1102656"/>
+              <a:ext cx="1981200" cy="557112"/>
+            </a:xfrm>
+            <a:prstGeom prst="wedgeRoundRectCallout">
+              <a:avLst>
+                <a:gd name="adj1" fmla="val 49276"/>
+                <a:gd name="adj2" fmla="val -150050"/>
+                <a:gd name="adj3" fmla="val 16667"/>
+              </a:avLst>
+            </a:prstGeom>
+            <a:solidFill>
+              <a:schemeClr val="bg1">
+                <a:lumMod val="95000"/>
+              </a:schemeClr>
+            </a:solidFill>
+            <a:ln>
+              <a:noFill/>
+            </a:ln>
+          </p:spPr>
+          <p:style>
+            <a:lnRef idx="2">
+              <a:schemeClr val="accent1">
+                <a:shade val="50000"/>
+              </a:schemeClr>
+            </a:lnRef>
+            <a:fillRef idx="1">
+              <a:schemeClr val="accent1"/>
+            </a:fillRef>
+            <a:effectRef idx="0">
+              <a:schemeClr val="accent1"/>
+            </a:effectRef>
+            <a:fontRef idx="minor">
+              <a:schemeClr val="lt1"/>
+            </a:fontRef>
+          </p:style>
+          <p:txBody>
+            <a:bodyPr rtlCol="0" anchor="ctr"/>
+            <a:lstStyle/>
+            <a:p>
+              <a:pPr algn="ctr"/>
+              <a:r>
+                <a:rPr lang="ko-KR" altLang="en-US" sz="1400" b="1" dirty="0">
+                  <a:solidFill>
+                    <a:schemeClr val="tx1"/>
+                  </a:solidFill>
+                </a:rPr>
+                <a:t>사각 </a:t>
+              </a:r>
+              <a:r>
+                <a:rPr lang="ko-KR" altLang="en-US" sz="1400" b="1" dirty="0" err="1">
+                  <a:solidFill>
+                    <a:schemeClr val="tx1"/>
+                  </a:solidFill>
+                </a:rPr>
+                <a:t>콜라이더가</a:t>
+              </a:r>
+              <a:r>
+                <a:rPr lang="ko-KR" altLang="en-US" sz="1400" b="1" dirty="0">
+                  <a:solidFill>
+                    <a:schemeClr val="tx1"/>
+                  </a:solidFill>
+                </a:rPr>
+                <a:t> </a:t>
+              </a:r>
+              <a:endParaRPr lang="en-US" altLang="ko-KR" sz="1400" b="1" dirty="0" smtClean="0">
+                <a:solidFill>
+                  <a:schemeClr val="tx1"/>
+                </a:solidFill>
+              </a:endParaRPr>
+            </a:p>
+            <a:p>
+              <a:pPr algn="ctr"/>
+              <a:r>
+                <a:rPr lang="ko-KR" altLang="en-US" sz="1400" b="1" dirty="0" smtClean="0">
+                  <a:solidFill>
+                    <a:schemeClr val="tx1"/>
+                  </a:solidFill>
+                </a:rPr>
+                <a:t>트리거로 </a:t>
+              </a:r>
+              <a:r>
+                <a:rPr lang="ko-KR" altLang="en-US" sz="1400" b="1" dirty="0">
+                  <a:solidFill>
+                    <a:schemeClr val="tx1"/>
+                  </a:solidFill>
+                </a:rPr>
+                <a:t>변경</a:t>
+              </a:r>
+              <a:endParaRPr lang="ko-KR" altLang="en-US" sz="1400" b="1" dirty="0">
+                <a:solidFill>
+                  <a:schemeClr val="tx1"/>
+                </a:solidFill>
+              </a:endParaRPr>
+            </a:p>
+          </p:txBody>
+        </p:sp>
+        <p:sp>
+          <p:nvSpPr>
+            <p:cNvPr id="24" name="모서리가 둥근 사각형 설명선 23"/>
+            <p:cNvSpPr/>
+            <p:nvPr/>
+          </p:nvSpPr>
+          <p:spPr>
+            <a:xfrm>
+              <a:off x="591953" y="4449308"/>
+              <a:ext cx="1981200" cy="557112"/>
+            </a:xfrm>
+            <a:prstGeom prst="wedgeRoundRectCallout">
+              <a:avLst>
+                <a:gd name="adj1" fmla="val 39622"/>
+                <a:gd name="adj2" fmla="val -176869"/>
+                <a:gd name="adj3" fmla="val 16667"/>
+              </a:avLst>
+            </a:prstGeom>
+            <a:solidFill>
+              <a:schemeClr val="bg1">
+                <a:lumMod val="95000"/>
+              </a:schemeClr>
+            </a:solidFill>
+            <a:ln>
+              <a:noFill/>
+            </a:ln>
+          </p:spPr>
+          <p:style>
+            <a:lnRef idx="2">
+              <a:schemeClr val="accent1">
+                <a:shade val="50000"/>
+              </a:schemeClr>
+            </a:lnRef>
+            <a:fillRef idx="1">
+              <a:schemeClr val="accent1"/>
+            </a:fillRef>
+            <a:effectRef idx="0">
+              <a:schemeClr val="accent1"/>
+            </a:effectRef>
+            <a:fontRef idx="minor">
+              <a:schemeClr val="lt1"/>
+            </a:fontRef>
+          </p:style>
+          <p:txBody>
+            <a:bodyPr rtlCol="0" anchor="ctr"/>
+            <a:lstStyle/>
+            <a:p>
+              <a:pPr algn="ctr"/>
+              <a:r>
+                <a:rPr lang="ko-KR" altLang="en-US" sz="1400" b="1" dirty="0" smtClean="0">
+                  <a:solidFill>
+                    <a:schemeClr val="tx1"/>
+                  </a:solidFill>
+                </a:rPr>
+                <a:t>원형 트리거가</a:t>
+              </a:r>
+              <a:endParaRPr lang="en-US" altLang="ko-KR" sz="1400" b="1" dirty="0" smtClean="0">
+                <a:solidFill>
+                  <a:schemeClr val="tx1"/>
+                </a:solidFill>
+              </a:endParaRPr>
+            </a:p>
+            <a:p>
+              <a:pPr algn="ctr"/>
+              <a:r>
+                <a:rPr lang="ko-KR" altLang="en-US" sz="1400" b="1" dirty="0" smtClean="0">
+                  <a:solidFill>
+                    <a:schemeClr val="tx1"/>
+                  </a:solidFill>
+                </a:rPr>
+                <a:t>플랫폼 통과를 감지</a:t>
+              </a:r>
+              <a:endParaRPr lang="ko-KR" altLang="en-US" sz="1400" b="1" dirty="0">
+                <a:solidFill>
+                  <a:schemeClr val="tx1"/>
+                </a:solidFill>
+              </a:endParaRPr>
+            </a:p>
+          </p:txBody>
+        </p:sp>
+        <p:sp>
+          <p:nvSpPr>
+            <p:cNvPr id="25" name="모서리가 둥근 사각형 설명선 24"/>
+            <p:cNvSpPr/>
+            <p:nvPr/>
+          </p:nvSpPr>
+          <p:spPr>
+            <a:xfrm>
+              <a:off x="5875153" y="5006420"/>
+              <a:ext cx="2748894" cy="557112"/>
+            </a:xfrm>
+            <a:prstGeom prst="wedgeRoundRectCallout">
+              <a:avLst>
+                <a:gd name="adj1" fmla="val 17831"/>
+                <a:gd name="adj2" fmla="val -102848"/>
+                <a:gd name="adj3" fmla="val 16667"/>
+              </a:avLst>
+            </a:prstGeom>
+            <a:solidFill>
+              <a:schemeClr val="bg1">
+                <a:lumMod val="95000"/>
+              </a:schemeClr>
+            </a:solidFill>
+            <a:ln>
+              <a:noFill/>
+            </a:ln>
+          </p:spPr>
+          <p:style>
+            <a:lnRef idx="2">
+              <a:schemeClr val="accent1">
+                <a:shade val="50000"/>
+              </a:schemeClr>
+            </a:lnRef>
+            <a:fillRef idx="1">
+              <a:schemeClr val="accent1"/>
+            </a:fillRef>
+            <a:effectRef idx="0">
+              <a:schemeClr val="accent1"/>
+            </a:effectRef>
+            <a:fontRef idx="minor">
+              <a:schemeClr val="lt1"/>
+            </a:fontRef>
+          </p:style>
+          <p:txBody>
+            <a:bodyPr rtlCol="0" anchor="ctr"/>
+            <a:lstStyle/>
+            <a:p>
+              <a:pPr algn="ctr"/>
+              <a:r>
+                <a:rPr lang="ko-KR" altLang="en-US" sz="1400" b="1" dirty="0" smtClean="0">
+                  <a:solidFill>
+                    <a:schemeClr val="tx1"/>
+                  </a:solidFill>
+                </a:rPr>
+                <a:t>통과 후</a:t>
+              </a:r>
+              <a:r>
+                <a:rPr lang="en-US" altLang="ko-KR" sz="1400" b="1" dirty="0" smtClean="0">
+                  <a:solidFill>
+                    <a:schemeClr val="tx1"/>
+                  </a:solidFill>
+                </a:rPr>
+                <a:t>, </a:t>
+              </a:r>
+              <a:r>
+                <a:rPr lang="ko-KR" altLang="en-US" sz="1400" b="1" dirty="0" smtClean="0">
+                  <a:solidFill>
+                    <a:schemeClr val="tx1"/>
+                  </a:solidFill>
+                </a:rPr>
+                <a:t>사각 </a:t>
+              </a:r>
+              <a:r>
+                <a:rPr lang="ko-KR" altLang="en-US" sz="1400" b="1" dirty="0" err="1" smtClean="0">
+                  <a:solidFill>
+                    <a:schemeClr val="tx1"/>
+                  </a:solidFill>
+                </a:rPr>
+                <a:t>콜라이더를</a:t>
+              </a:r>
+              <a:r>
+                <a:rPr lang="ko-KR" altLang="en-US" sz="1400" b="1" dirty="0" smtClean="0">
+                  <a:solidFill>
+                    <a:schemeClr val="tx1"/>
+                  </a:solidFill>
+                </a:rPr>
+                <a:t> 다시</a:t>
+              </a:r>
+              <a:endParaRPr lang="en-US" altLang="ko-KR" sz="1400" b="1" dirty="0" smtClean="0">
+                <a:solidFill>
+                  <a:schemeClr val="tx1"/>
+                </a:solidFill>
+              </a:endParaRPr>
+            </a:p>
+            <a:p>
+              <a:pPr algn="ctr"/>
+              <a:r>
+                <a:rPr lang="ko-KR" altLang="en-US" sz="1400" b="1" dirty="0" err="1" smtClean="0">
+                  <a:solidFill>
+                    <a:schemeClr val="tx1"/>
+                  </a:solidFill>
+                </a:rPr>
+                <a:t>콜라이더로</a:t>
+              </a:r>
+              <a:r>
+                <a:rPr lang="ko-KR" altLang="en-US" sz="1400" b="1" dirty="0" smtClean="0">
+                  <a:solidFill>
+                    <a:schemeClr val="tx1"/>
+                  </a:solidFill>
+                </a:rPr>
+                <a:t> 변경</a:t>
+              </a:r>
+              <a:endParaRPr lang="ko-KR" altLang="en-US" sz="1400" b="1" dirty="0">
+                <a:solidFill>
+                  <a:schemeClr val="tx1"/>
+                </a:solidFill>
+              </a:endParaRPr>
+            </a:p>
+          </p:txBody>
+        </p:sp>
+      </p:grpSp>
+      <p:grpSp>
+        <p:nvGrpSpPr>
+          <p:cNvPr id="38" name="그룹 37"/>
+          <p:cNvGrpSpPr/>
+          <p:nvPr/>
+        </p:nvGrpSpPr>
+        <p:grpSpPr>
+          <a:xfrm>
+            <a:off x="400168" y="-2758641"/>
+            <a:ext cx="6375282" cy="2637069"/>
+            <a:chOff x="400168" y="-2758641"/>
+            <a:chExt cx="6375282" cy="2637069"/>
+          </a:xfrm>
+        </p:grpSpPr>
+        <p:pic>
+          <p:nvPicPr>
+            <p:cNvPr id="16" name="그림 15"/>
+            <p:cNvPicPr>
+              <a:picLocks noChangeAspect="1"/>
+            </p:cNvPicPr>
+            <p:nvPr/>
+          </p:nvPicPr>
+          <p:blipFill>
+            <a:blip r:embed="rId6"/>
+            <a:stretch>
+              <a:fillRect/>
+            </a:stretch>
+          </p:blipFill>
+          <p:spPr>
+            <a:xfrm>
+              <a:off x="400168" y="-2758641"/>
+              <a:ext cx="2364769" cy="2637069"/>
+            </a:xfrm>
+            <a:prstGeom prst="rect">
+              <a:avLst/>
+            </a:prstGeom>
+          </p:spPr>
+        </p:pic>
+        <p:sp>
+          <p:nvSpPr>
+            <p:cNvPr id="27" name="직사각형 26"/>
+            <p:cNvSpPr/>
+            <p:nvPr/>
+          </p:nvSpPr>
+          <p:spPr>
+            <a:xfrm>
+              <a:off x="2666047" y="-2758641"/>
+              <a:ext cx="4109403" cy="2637069"/>
+            </a:xfrm>
+            <a:prstGeom prst="rect">
+              <a:avLst/>
+            </a:prstGeom>
+            <a:solidFill>
+              <a:srgbClr val="464646"/>
+            </a:solidFill>
+            <a:ln>
+              <a:noFill/>
+            </a:ln>
+          </p:spPr>
+          <p:style>
+            <a:lnRef idx="2">
+              <a:schemeClr val="accent1">
+                <a:shade val="50000"/>
+              </a:schemeClr>
+            </a:lnRef>
+            <a:fillRef idx="1">
+              <a:schemeClr val="accent1"/>
+            </a:fillRef>
+            <a:effectRef idx="0">
+              <a:schemeClr val="accent1"/>
+            </a:effectRef>
+            <a:fontRef idx="minor">
+              <a:schemeClr val="lt1"/>
+            </a:fontRef>
+          </p:style>
+          <p:txBody>
+            <a:bodyPr rtlCol="0" anchor="ctr"/>
+            <a:lstStyle/>
+            <a:p>
+              <a:pPr algn="ctr"/>
+              <a:endParaRPr lang="ko-KR" altLang="en-US"/>
+            </a:p>
+          </p:txBody>
+        </p:sp>
+        <p:cxnSp>
+          <p:nvCxnSpPr>
+            <p:cNvPr id="29" name="직선 연결선 28"/>
+            <p:cNvCxnSpPr/>
+            <p:nvPr/>
+          </p:nvCxnSpPr>
+          <p:spPr>
+            <a:xfrm flipV="1">
+              <a:off x="2025650" y="-2222500"/>
+              <a:ext cx="1403350" cy="171450"/>
+            </a:xfrm>
+            <a:prstGeom prst="line">
+              <a:avLst/>
+            </a:prstGeom>
+            <a:ln w="38100" cap="rnd">
+              <a:solidFill>
+                <a:schemeClr val="bg1"/>
+              </a:solidFill>
+              <a:round/>
+            </a:ln>
+          </p:spPr>
+          <p:style>
+            <a:lnRef idx="1">
+              <a:schemeClr val="accent1"/>
+            </a:lnRef>
+            <a:fillRef idx="0">
+              <a:schemeClr val="accent1"/>
+            </a:fillRef>
+            <a:effectRef idx="0">
+              <a:schemeClr val="accent1"/>
+            </a:effectRef>
+            <a:fontRef idx="minor">
+              <a:schemeClr val="tx1"/>
+            </a:fontRef>
+          </p:style>
+        </p:cxnSp>
+        <p:sp>
+          <p:nvSpPr>
+            <p:cNvPr id="31" name="TextBox 30"/>
+            <p:cNvSpPr txBox="1"/>
+            <p:nvPr/>
+          </p:nvSpPr>
+          <p:spPr>
+            <a:xfrm>
+              <a:off x="3429000" y="-2422555"/>
+              <a:ext cx="1556836" cy="400110"/>
+            </a:xfrm>
+            <a:prstGeom prst="rect">
+              <a:avLst/>
+            </a:prstGeom>
+            <a:noFill/>
+          </p:spPr>
+          <p:txBody>
+            <a:bodyPr wrap="none" rtlCol="0">
+              <a:spAutoFit/>
+            </a:bodyPr>
+            <a:lstStyle/>
+            <a:p>
+              <a:r>
+                <a:rPr lang="ko-KR" altLang="en-US" sz="2000" dirty="0" smtClean="0">
+                  <a:solidFill>
+                    <a:schemeClr val="bg1"/>
+                  </a:solidFill>
+                </a:rPr>
+                <a:t>원형 트리거</a:t>
+              </a:r>
+              <a:endParaRPr lang="ko-KR" altLang="en-US" sz="2000" dirty="0">
+                <a:solidFill>
+                  <a:schemeClr val="bg1"/>
+                </a:solidFill>
+              </a:endParaRPr>
+            </a:p>
+          </p:txBody>
+        </p:sp>
+        <p:sp>
+          <p:nvSpPr>
+            <p:cNvPr id="32" name="TextBox 31"/>
+            <p:cNvSpPr txBox="1"/>
+            <p:nvPr/>
+          </p:nvSpPr>
+          <p:spPr>
+            <a:xfrm>
+              <a:off x="3429000" y="-2110322"/>
+              <a:ext cx="2946640" cy="338554"/>
+            </a:xfrm>
+            <a:prstGeom prst="rect">
+              <a:avLst/>
+            </a:prstGeom>
+            <a:noFill/>
+          </p:spPr>
+          <p:txBody>
+            <a:bodyPr wrap="none" rtlCol="0">
+              <a:spAutoFit/>
+            </a:bodyPr>
+            <a:lstStyle/>
+            <a:p>
+              <a:r>
+                <a:rPr lang="en-US" altLang="ko-KR" sz="1600" dirty="0">
+                  <a:solidFill>
+                    <a:schemeClr val="bg1">
+                      <a:lumMod val="75000"/>
+                    </a:schemeClr>
+                  </a:solidFill>
+                </a:rPr>
+                <a:t>&lt;</a:t>
+              </a:r>
+              <a:r>
+                <a:rPr lang="ko-KR" altLang="en-US" sz="1600" dirty="0" smtClean="0">
+                  <a:solidFill>
+                    <a:schemeClr val="bg1">
+                      <a:lumMod val="75000"/>
+                    </a:schemeClr>
+                  </a:solidFill>
+                </a:rPr>
+                <a:t>맵 오브젝트와의 충돌 감지</a:t>
+              </a:r>
+              <a:r>
+                <a:rPr lang="en-US" altLang="ko-KR" sz="1600" dirty="0" smtClean="0">
+                  <a:solidFill>
+                    <a:schemeClr val="bg1">
+                      <a:lumMod val="75000"/>
+                    </a:schemeClr>
+                  </a:solidFill>
+                </a:rPr>
+                <a:t>&gt;</a:t>
+              </a:r>
+              <a:endParaRPr lang="ko-KR" altLang="en-US" sz="1600" dirty="0">
+                <a:solidFill>
+                  <a:schemeClr val="bg1">
+                    <a:lumMod val="75000"/>
+                  </a:schemeClr>
+                </a:solidFill>
+              </a:endParaRPr>
+            </a:p>
+          </p:txBody>
+        </p:sp>
+        <p:sp>
+          <p:nvSpPr>
+            <p:cNvPr id="33" name="TextBox 32"/>
+            <p:cNvSpPr txBox="1"/>
+            <p:nvPr/>
+          </p:nvSpPr>
+          <p:spPr>
+            <a:xfrm>
+              <a:off x="2990850" y="-1122749"/>
+              <a:ext cx="1813317" cy="400110"/>
+            </a:xfrm>
+            <a:prstGeom prst="rect">
+              <a:avLst/>
+            </a:prstGeom>
+            <a:noFill/>
+          </p:spPr>
+          <p:txBody>
+            <a:bodyPr wrap="none" rtlCol="0">
+              <a:spAutoFit/>
+            </a:bodyPr>
+            <a:lstStyle/>
+            <a:p>
+              <a:r>
+                <a:rPr lang="ko-KR" altLang="en-US" sz="2000" dirty="0" smtClean="0">
+                  <a:solidFill>
+                    <a:schemeClr val="bg1"/>
+                  </a:solidFill>
+                </a:rPr>
+                <a:t>사각 </a:t>
+              </a:r>
+              <a:r>
+                <a:rPr lang="ko-KR" altLang="en-US" sz="2000" dirty="0" err="1" smtClean="0">
+                  <a:solidFill>
+                    <a:schemeClr val="bg1"/>
+                  </a:solidFill>
+                </a:rPr>
+                <a:t>콜라이더</a:t>
+              </a:r>
+              <a:endParaRPr lang="ko-KR" altLang="en-US" sz="2000" dirty="0">
+                <a:solidFill>
+                  <a:schemeClr val="bg1"/>
+                </a:solidFill>
+              </a:endParaRPr>
+            </a:p>
+          </p:txBody>
+        </p:sp>
+        <p:sp>
+          <p:nvSpPr>
+            <p:cNvPr id="34" name="TextBox 33"/>
+            <p:cNvSpPr txBox="1"/>
+            <p:nvPr/>
+          </p:nvSpPr>
+          <p:spPr>
+            <a:xfrm>
+              <a:off x="2990683" y="-810516"/>
+              <a:ext cx="2464136" cy="338554"/>
+            </a:xfrm>
+            <a:prstGeom prst="rect">
+              <a:avLst/>
+            </a:prstGeom>
+            <a:noFill/>
+          </p:spPr>
+          <p:txBody>
+            <a:bodyPr wrap="none" rtlCol="0">
+              <a:spAutoFit/>
+            </a:bodyPr>
+            <a:lstStyle/>
+            <a:p>
+              <a:r>
+                <a:rPr lang="en-US" altLang="ko-KR" sz="1600" dirty="0" smtClean="0">
+                  <a:solidFill>
+                    <a:schemeClr val="bg1">
+                      <a:lumMod val="75000"/>
+                    </a:schemeClr>
+                  </a:solidFill>
+                </a:rPr>
+                <a:t>&lt;</a:t>
+              </a:r>
+              <a:r>
+                <a:rPr lang="ko-KR" altLang="en-US" sz="1600" dirty="0" smtClean="0">
+                  <a:solidFill>
+                    <a:schemeClr val="bg1">
+                      <a:lumMod val="75000"/>
+                    </a:schemeClr>
+                  </a:solidFill>
+                </a:rPr>
+                <a:t>플레이어의 </a:t>
+              </a:r>
+              <a:r>
+                <a:rPr lang="ko-KR" altLang="en-US" sz="1600" dirty="0" err="1" smtClean="0">
+                  <a:solidFill>
+                    <a:schemeClr val="bg1">
+                      <a:lumMod val="75000"/>
+                    </a:schemeClr>
+                  </a:solidFill>
+                </a:rPr>
+                <a:t>히트박스</a:t>
+              </a:r>
+              <a:r>
+                <a:rPr lang="en-US" altLang="ko-KR" sz="1600" dirty="0" smtClean="0">
+                  <a:solidFill>
+                    <a:schemeClr val="bg1">
+                      <a:lumMod val="75000"/>
+                    </a:schemeClr>
+                  </a:solidFill>
+                </a:rPr>
+                <a:t>&gt;</a:t>
+              </a:r>
+              <a:endParaRPr lang="ko-KR" altLang="en-US" sz="1600" dirty="0">
+                <a:solidFill>
+                  <a:schemeClr val="bg1">
+                    <a:lumMod val="75000"/>
+                  </a:schemeClr>
+                </a:solidFill>
+              </a:endParaRPr>
+            </a:p>
+          </p:txBody>
+        </p:sp>
+        <p:cxnSp>
+          <p:nvCxnSpPr>
+            <p:cNvPr id="35" name="직선 연결선 34"/>
+            <p:cNvCxnSpPr/>
+            <p:nvPr/>
+          </p:nvCxnSpPr>
+          <p:spPr>
+            <a:xfrm>
+              <a:off x="1828800" y="-982683"/>
+              <a:ext cx="1162050" cy="59989"/>
+            </a:xfrm>
+            <a:prstGeom prst="line">
+              <a:avLst/>
+            </a:prstGeom>
+            <a:ln w="38100" cap="rnd">
+              <a:solidFill>
+                <a:schemeClr val="bg1"/>
+              </a:solidFill>
+              <a:round/>
+            </a:ln>
+          </p:spPr>
+          <p:style>
+            <a:lnRef idx="1">
+              <a:schemeClr val="accent1"/>
+            </a:lnRef>
+            <a:fillRef idx="0">
+              <a:schemeClr val="accent1"/>
+            </a:fillRef>
+            <a:effectRef idx="0">
+              <a:schemeClr val="accent1"/>
+            </a:effectRef>
+            <a:fontRef idx="minor">
+              <a:schemeClr val="tx1"/>
+            </a:fontRef>
+          </p:style>
+        </p:cxnSp>
+      </p:grpSp>
+    </p:spTree>
+    <p:extLst>
+      <p:ext uri="{BB962C8B-B14F-4D97-AF65-F5344CB8AC3E}">
+        <p14:creationId xmlns:p14="http://schemas.microsoft.com/office/powerpoint/2010/main" val="4147599966"/>
+      </p:ext>
+    </p:extLst>
+  </p:cSld>
+  <p:clrMapOvr>
+    <a:masterClrMapping/>
+  </p:clrMapOvr>
+  <p:timing>
+    <p:tnLst>
+      <p:par>
+        <p:cTn id="1" dur="indefinite" restart="never" nodeType="tmRoot"/>
+      </p:par>
+    </p:tnLst>
+  </p:timing>
+</p:sld>
+</file>
+
 <file path=ppt/theme/theme1.xml><?xml version="1.0" encoding="utf-8"?>
 <a:theme xmlns:a="http://schemas.openxmlformats.org/drawingml/2006/main" name="Office 테마">
   <a:themeElements>

--- a/assets/img/drawings.pptx
+++ b/assets/img/drawings.pptx
@@ -245,7 +245,7 @@
           <a:p>
             <a:fld id="{94480A8E-0119-4606-B4C1-A8BF2D4EFD19}" type="datetimeFigureOut">
               <a:rPr lang="ko-KR" altLang="en-US" smtClean="0"/>
-              <a:t>2022-06-11</a:t>
+              <a:t>2022-06-12</a:t>
             </a:fld>
             <a:endParaRPr lang="ko-KR" altLang="en-US"/>
           </a:p>
@@ -415,7 +415,7 @@
           <a:p>
             <a:fld id="{94480A8E-0119-4606-B4C1-A8BF2D4EFD19}" type="datetimeFigureOut">
               <a:rPr lang="ko-KR" altLang="en-US" smtClean="0"/>
-              <a:t>2022-06-11</a:t>
+              <a:t>2022-06-12</a:t>
             </a:fld>
             <a:endParaRPr lang="ko-KR" altLang="en-US"/>
           </a:p>
@@ -595,7 +595,7 @@
           <a:p>
             <a:fld id="{94480A8E-0119-4606-B4C1-A8BF2D4EFD19}" type="datetimeFigureOut">
               <a:rPr lang="ko-KR" altLang="en-US" smtClean="0"/>
-              <a:t>2022-06-11</a:t>
+              <a:t>2022-06-12</a:t>
             </a:fld>
             <a:endParaRPr lang="ko-KR" altLang="en-US"/>
           </a:p>
@@ -765,7 +765,7 @@
           <a:p>
             <a:fld id="{94480A8E-0119-4606-B4C1-A8BF2D4EFD19}" type="datetimeFigureOut">
               <a:rPr lang="ko-KR" altLang="en-US" smtClean="0"/>
-              <a:t>2022-06-11</a:t>
+              <a:t>2022-06-12</a:t>
             </a:fld>
             <a:endParaRPr lang="ko-KR" altLang="en-US"/>
           </a:p>
@@ -1011,7 +1011,7 @@
           <a:p>
             <a:fld id="{94480A8E-0119-4606-B4C1-A8BF2D4EFD19}" type="datetimeFigureOut">
               <a:rPr lang="ko-KR" altLang="en-US" smtClean="0"/>
-              <a:t>2022-06-11</a:t>
+              <a:t>2022-06-12</a:t>
             </a:fld>
             <a:endParaRPr lang="ko-KR" altLang="en-US"/>
           </a:p>
@@ -1243,7 +1243,7 @@
           <a:p>
             <a:fld id="{94480A8E-0119-4606-B4C1-A8BF2D4EFD19}" type="datetimeFigureOut">
               <a:rPr lang="ko-KR" altLang="en-US" smtClean="0"/>
-              <a:t>2022-06-11</a:t>
+              <a:t>2022-06-12</a:t>
             </a:fld>
             <a:endParaRPr lang="ko-KR" altLang="en-US"/>
           </a:p>
@@ -1610,7 +1610,7 @@
           <a:p>
             <a:fld id="{94480A8E-0119-4606-B4C1-A8BF2D4EFD19}" type="datetimeFigureOut">
               <a:rPr lang="ko-KR" altLang="en-US" smtClean="0"/>
-              <a:t>2022-06-11</a:t>
+              <a:t>2022-06-12</a:t>
             </a:fld>
             <a:endParaRPr lang="ko-KR" altLang="en-US"/>
           </a:p>
@@ -1728,7 +1728,7 @@
           <a:p>
             <a:fld id="{94480A8E-0119-4606-B4C1-A8BF2D4EFD19}" type="datetimeFigureOut">
               <a:rPr lang="ko-KR" altLang="en-US" smtClean="0"/>
-              <a:t>2022-06-11</a:t>
+              <a:t>2022-06-12</a:t>
             </a:fld>
             <a:endParaRPr lang="ko-KR" altLang="en-US"/>
           </a:p>
@@ -1823,7 +1823,7 @@
           <a:p>
             <a:fld id="{94480A8E-0119-4606-B4C1-A8BF2D4EFD19}" type="datetimeFigureOut">
               <a:rPr lang="ko-KR" altLang="en-US" smtClean="0"/>
-              <a:t>2022-06-11</a:t>
+              <a:t>2022-06-12</a:t>
             </a:fld>
             <a:endParaRPr lang="ko-KR" altLang="en-US"/>
           </a:p>
@@ -2100,7 +2100,7 @@
           <a:p>
             <a:fld id="{94480A8E-0119-4606-B4C1-A8BF2D4EFD19}" type="datetimeFigureOut">
               <a:rPr lang="ko-KR" altLang="en-US" smtClean="0"/>
-              <a:t>2022-06-11</a:t>
+              <a:t>2022-06-12</a:t>
             </a:fld>
             <a:endParaRPr lang="ko-KR" altLang="en-US"/>
           </a:p>
@@ -2353,7 +2353,7 @@
           <a:p>
             <a:fld id="{94480A8E-0119-4606-B4C1-A8BF2D4EFD19}" type="datetimeFigureOut">
               <a:rPr lang="ko-KR" altLang="en-US" smtClean="0"/>
-              <a:t>2022-06-11</a:t>
+              <a:t>2022-06-12</a:t>
             </a:fld>
             <a:endParaRPr lang="ko-KR" altLang="en-US"/>
           </a:p>
@@ -2566,7 +2566,7 @@
           <a:p>
             <a:fld id="{94480A8E-0119-4606-B4C1-A8BF2D4EFD19}" type="datetimeFigureOut">
               <a:rPr lang="ko-KR" altLang="en-US" smtClean="0"/>
-              <a:t>2022-06-11</a:t>
+              <a:t>2022-06-12</a:t>
             </a:fld>
             <a:endParaRPr lang="ko-KR" altLang="en-US"/>
           </a:p>
@@ -6762,11 +6762,6 @@
                 </a:rPr>
                 <a:t>변경</a:t>
               </a:r>
-              <a:endParaRPr lang="ko-KR" altLang="en-US" sz="1400" b="1" dirty="0">
-                <a:solidFill>
-                  <a:schemeClr val="tx1"/>
-                </a:solidFill>
-              </a:endParaRPr>
             </a:p>
           </p:txBody>
         </p:sp>
@@ -7346,6 +7341,229 @@
           </p:style>
         </p:cxnSp>
       </p:grpSp>
+      <p:grpSp>
+        <p:nvGrpSpPr>
+          <p:cNvPr id="20" name="그룹 19"/>
+          <p:cNvGrpSpPr/>
+          <p:nvPr/>
+        </p:nvGrpSpPr>
+        <p:grpSpPr>
+          <a:xfrm>
+            <a:off x="-3270453" y="0"/>
+            <a:ext cx="2391109" cy="3715268"/>
+            <a:chOff x="-3270453" y="0"/>
+            <a:chExt cx="2391109" cy="3715268"/>
+          </a:xfrm>
+        </p:grpSpPr>
+        <p:pic>
+          <p:nvPicPr>
+            <p:cNvPr id="3" name="그림 2"/>
+            <p:cNvPicPr>
+              <a:picLocks noChangeAspect="1"/>
+            </p:cNvPicPr>
+            <p:nvPr/>
+          </p:nvPicPr>
+          <p:blipFill>
+            <a:blip r:embed="rId7"/>
+            <a:stretch>
+              <a:fillRect/>
+            </a:stretch>
+          </p:blipFill>
+          <p:spPr>
+            <a:xfrm>
+              <a:off x="-3270453" y="0"/>
+              <a:ext cx="2391109" cy="3715268"/>
+            </a:xfrm>
+            <a:prstGeom prst="rect">
+              <a:avLst/>
+            </a:prstGeom>
+          </p:spPr>
+        </p:pic>
+        <p:sp>
+          <p:nvSpPr>
+            <p:cNvPr id="8" name="직사각형 7"/>
+            <p:cNvSpPr/>
+            <p:nvPr/>
+          </p:nvSpPr>
+          <p:spPr>
+            <a:xfrm>
+              <a:off x="-2928471" y="47812"/>
+              <a:ext cx="1702944" cy="1228099"/>
+            </a:xfrm>
+            <a:prstGeom prst="rect">
+              <a:avLst/>
+            </a:prstGeom>
+            <a:noFill/>
+            <a:ln w="38100">
+              <a:solidFill>
+                <a:schemeClr val="accent6">
+                  <a:lumMod val="60000"/>
+                  <a:lumOff val="40000"/>
+                </a:schemeClr>
+              </a:solidFill>
+            </a:ln>
+          </p:spPr>
+          <p:style>
+            <a:lnRef idx="2">
+              <a:schemeClr val="accent1">
+                <a:shade val="50000"/>
+              </a:schemeClr>
+            </a:lnRef>
+            <a:fillRef idx="1">
+              <a:schemeClr val="accent1"/>
+            </a:fillRef>
+            <a:effectRef idx="0">
+              <a:schemeClr val="accent1"/>
+            </a:effectRef>
+            <a:fontRef idx="minor">
+              <a:schemeClr val="lt1"/>
+            </a:fontRef>
+          </p:style>
+          <p:txBody>
+            <a:bodyPr rtlCol="0" anchor="ctr"/>
+            <a:lstStyle/>
+            <a:p>
+              <a:pPr algn="ctr"/>
+              <a:endParaRPr lang="ko-KR" altLang="en-US"/>
+            </a:p>
+          </p:txBody>
+        </p:sp>
+        <p:sp>
+          <p:nvSpPr>
+            <p:cNvPr id="39" name="직사각형 38"/>
+            <p:cNvSpPr/>
+            <p:nvPr/>
+          </p:nvSpPr>
+          <p:spPr>
+            <a:xfrm>
+              <a:off x="-2928471" y="1697325"/>
+              <a:ext cx="1972236" cy="1954299"/>
+            </a:xfrm>
+            <a:prstGeom prst="rect">
+              <a:avLst/>
+            </a:prstGeom>
+            <a:noFill/>
+            <a:ln w="38100">
+              <a:solidFill>
+                <a:schemeClr val="accent6">
+                  <a:lumMod val="60000"/>
+                  <a:lumOff val="40000"/>
+                </a:schemeClr>
+              </a:solidFill>
+            </a:ln>
+          </p:spPr>
+          <p:style>
+            <a:lnRef idx="2">
+              <a:schemeClr val="accent1">
+                <a:shade val="50000"/>
+              </a:schemeClr>
+            </a:lnRef>
+            <a:fillRef idx="1">
+              <a:schemeClr val="accent1"/>
+            </a:fillRef>
+            <a:effectRef idx="0">
+              <a:schemeClr val="accent1"/>
+            </a:effectRef>
+            <a:fontRef idx="minor">
+              <a:schemeClr val="lt1"/>
+            </a:fontRef>
+          </p:style>
+          <p:txBody>
+            <a:bodyPr rtlCol="0" anchor="ctr"/>
+            <a:lstStyle/>
+            <a:p>
+              <a:pPr algn="ctr"/>
+              <a:endParaRPr lang="ko-KR" altLang="en-US"/>
+            </a:p>
+          </p:txBody>
+        </p:sp>
+        <p:sp>
+          <p:nvSpPr>
+            <p:cNvPr id="15" name="직사각형 14"/>
+            <p:cNvSpPr/>
+            <p:nvPr/>
+          </p:nvSpPr>
+          <p:spPr>
+            <a:xfrm>
+              <a:off x="-2928471" y="909574"/>
+              <a:ext cx="1683474" cy="307777"/>
+            </a:xfrm>
+            <a:prstGeom prst="rect">
+              <a:avLst/>
+            </a:prstGeom>
+          </p:spPr>
+          <p:txBody>
+            <a:bodyPr wrap="none">
+              <a:spAutoFit/>
+            </a:bodyPr>
+            <a:lstStyle/>
+            <a:p>
+              <a:r>
+                <a:rPr lang="ko-KR" altLang="en-US" sz="1400" b="1" dirty="0" smtClean="0">
+                  <a:solidFill>
+                    <a:schemeClr val="accent6">
+                      <a:lumMod val="60000"/>
+                      <a:lumOff val="40000"/>
+                    </a:schemeClr>
+                  </a:solidFill>
+                </a:rPr>
+                <a:t>플레이어 오브젝트</a:t>
+              </a:r>
+              <a:endParaRPr lang="ko-KR" altLang="en-US" sz="1400" b="1" dirty="0">
+                <a:solidFill>
+                  <a:schemeClr val="accent6">
+                    <a:lumMod val="60000"/>
+                    <a:lumOff val="40000"/>
+                  </a:schemeClr>
+                </a:solidFill>
+              </a:endParaRPr>
+            </a:p>
+          </p:txBody>
+        </p:sp>
+        <p:sp>
+          <p:nvSpPr>
+            <p:cNvPr id="41" name="직사각형 40"/>
+            <p:cNvSpPr/>
+            <p:nvPr/>
+          </p:nvSpPr>
+          <p:spPr>
+            <a:xfrm>
+              <a:off x="-2928471" y="3153191"/>
+              <a:ext cx="1324402" cy="307777"/>
+            </a:xfrm>
+            <a:prstGeom prst="rect">
+              <a:avLst/>
+            </a:prstGeom>
+          </p:spPr>
+          <p:txBody>
+            <a:bodyPr wrap="none">
+              <a:spAutoFit/>
+            </a:bodyPr>
+            <a:lstStyle/>
+            <a:p>
+              <a:r>
+                <a:rPr lang="ko-KR" altLang="en-US" sz="1400" b="1" dirty="0" smtClean="0">
+                  <a:solidFill>
+                    <a:schemeClr val="accent6">
+                      <a:lumMod val="60000"/>
+                      <a:lumOff val="40000"/>
+                    </a:schemeClr>
+                  </a:solidFill>
+                </a:rPr>
+                <a:t>플레이어 외부</a:t>
+              </a:r>
+              <a:endParaRPr lang="ko-KR" altLang="en-US" sz="1400" b="1" dirty="0">
+                <a:solidFill>
+                  <a:schemeClr val="accent6">
+                    <a:lumMod val="60000"/>
+                    <a:lumOff val="40000"/>
+                  </a:schemeClr>
+                </a:solidFill>
+              </a:endParaRPr>
+            </a:p>
+          </p:txBody>
+        </p:sp>
+      </p:grpSp>
     </p:spTree>
     <p:extLst>
       <p:ext uri="{BB962C8B-B14F-4D97-AF65-F5344CB8AC3E}">

--- a/assets/img/drawings.pptx
+++ b/assets/img/drawings.pptx
@@ -8,6 +8,7 @@
     <p:sldId id="256" r:id="rId2"/>
     <p:sldId id="257" r:id="rId3"/>
     <p:sldId id="258" r:id="rId4"/>
+    <p:sldId id="259" r:id="rId5"/>
   </p:sldIdLst>
   <p:sldSz cx="12192000" cy="6858000"/>
   <p:notesSz cx="6858000" cy="9144000"/>
@@ -245,7 +246,7 @@
           <a:p>
             <a:fld id="{94480A8E-0119-4606-B4C1-A8BF2D4EFD19}" type="datetimeFigureOut">
               <a:rPr lang="ko-KR" altLang="en-US" smtClean="0"/>
-              <a:t>2022-06-12</a:t>
+              <a:t>2022-06-22</a:t>
             </a:fld>
             <a:endParaRPr lang="ko-KR" altLang="en-US"/>
           </a:p>
@@ -415,7 +416,7 @@
           <a:p>
             <a:fld id="{94480A8E-0119-4606-B4C1-A8BF2D4EFD19}" type="datetimeFigureOut">
               <a:rPr lang="ko-KR" altLang="en-US" smtClean="0"/>
-              <a:t>2022-06-12</a:t>
+              <a:t>2022-06-22</a:t>
             </a:fld>
             <a:endParaRPr lang="ko-KR" altLang="en-US"/>
           </a:p>
@@ -595,7 +596,7 @@
           <a:p>
             <a:fld id="{94480A8E-0119-4606-B4C1-A8BF2D4EFD19}" type="datetimeFigureOut">
               <a:rPr lang="ko-KR" altLang="en-US" smtClean="0"/>
-              <a:t>2022-06-12</a:t>
+              <a:t>2022-06-22</a:t>
             </a:fld>
             <a:endParaRPr lang="ko-KR" altLang="en-US"/>
           </a:p>
@@ -765,7 +766,7 @@
           <a:p>
             <a:fld id="{94480A8E-0119-4606-B4C1-A8BF2D4EFD19}" type="datetimeFigureOut">
               <a:rPr lang="ko-KR" altLang="en-US" smtClean="0"/>
-              <a:t>2022-06-12</a:t>
+              <a:t>2022-06-22</a:t>
             </a:fld>
             <a:endParaRPr lang="ko-KR" altLang="en-US"/>
           </a:p>
@@ -1011,7 +1012,7 @@
           <a:p>
             <a:fld id="{94480A8E-0119-4606-B4C1-A8BF2D4EFD19}" type="datetimeFigureOut">
               <a:rPr lang="ko-KR" altLang="en-US" smtClean="0"/>
-              <a:t>2022-06-12</a:t>
+              <a:t>2022-06-22</a:t>
             </a:fld>
             <a:endParaRPr lang="ko-KR" altLang="en-US"/>
           </a:p>
@@ -1243,7 +1244,7 @@
           <a:p>
             <a:fld id="{94480A8E-0119-4606-B4C1-A8BF2D4EFD19}" type="datetimeFigureOut">
               <a:rPr lang="ko-KR" altLang="en-US" smtClean="0"/>
-              <a:t>2022-06-12</a:t>
+              <a:t>2022-06-22</a:t>
             </a:fld>
             <a:endParaRPr lang="ko-KR" altLang="en-US"/>
           </a:p>
@@ -1610,7 +1611,7 @@
           <a:p>
             <a:fld id="{94480A8E-0119-4606-B4C1-A8BF2D4EFD19}" type="datetimeFigureOut">
               <a:rPr lang="ko-KR" altLang="en-US" smtClean="0"/>
-              <a:t>2022-06-12</a:t>
+              <a:t>2022-06-22</a:t>
             </a:fld>
             <a:endParaRPr lang="ko-KR" altLang="en-US"/>
           </a:p>
@@ -1728,7 +1729,7 @@
           <a:p>
             <a:fld id="{94480A8E-0119-4606-B4C1-A8BF2D4EFD19}" type="datetimeFigureOut">
               <a:rPr lang="ko-KR" altLang="en-US" smtClean="0"/>
-              <a:t>2022-06-12</a:t>
+              <a:t>2022-06-22</a:t>
             </a:fld>
             <a:endParaRPr lang="ko-KR" altLang="en-US"/>
           </a:p>
@@ -1823,7 +1824,7 @@
           <a:p>
             <a:fld id="{94480A8E-0119-4606-B4C1-A8BF2D4EFD19}" type="datetimeFigureOut">
               <a:rPr lang="ko-KR" altLang="en-US" smtClean="0"/>
-              <a:t>2022-06-12</a:t>
+              <a:t>2022-06-22</a:t>
             </a:fld>
             <a:endParaRPr lang="ko-KR" altLang="en-US"/>
           </a:p>
@@ -2100,7 +2101,7 @@
           <a:p>
             <a:fld id="{94480A8E-0119-4606-B4C1-A8BF2D4EFD19}" type="datetimeFigureOut">
               <a:rPr lang="ko-KR" altLang="en-US" smtClean="0"/>
-              <a:t>2022-06-12</a:t>
+              <a:t>2022-06-22</a:t>
             </a:fld>
             <a:endParaRPr lang="ko-KR" altLang="en-US"/>
           </a:p>
@@ -2353,7 +2354,7 @@
           <a:p>
             <a:fld id="{94480A8E-0119-4606-B4C1-A8BF2D4EFD19}" type="datetimeFigureOut">
               <a:rPr lang="ko-KR" altLang="en-US" smtClean="0"/>
-              <a:t>2022-06-12</a:t>
+              <a:t>2022-06-22</a:t>
             </a:fld>
             <a:endParaRPr lang="ko-KR" altLang="en-US"/>
           </a:p>
@@ -2566,7 +2567,7 @@
           <a:p>
             <a:fld id="{94480A8E-0119-4606-B4C1-A8BF2D4EFD19}" type="datetimeFigureOut">
               <a:rPr lang="ko-KR" altLang="en-US" smtClean="0"/>
-              <a:t>2022-06-12</a:t>
+              <a:t>2022-06-22</a:t>
             </a:fld>
             <a:endParaRPr lang="ko-KR" altLang="en-US"/>
           </a:p>
@@ -7584,6 +7585,1831 @@
 </p:sld>
 </file>
 
+<file path=ppt/slides/slide4.xml><?xml version="1.0" encoding="utf-8"?>
+<p:sld xmlns:a="http://schemas.openxmlformats.org/drawingml/2006/main" xmlns:r="http://schemas.openxmlformats.org/officeDocument/2006/relationships" xmlns:p="http://schemas.openxmlformats.org/presentationml/2006/main">
+  <p:cSld>
+    <p:spTree>
+      <p:nvGrpSpPr>
+        <p:cNvPr id="1" name=""/>
+        <p:cNvGrpSpPr/>
+        <p:nvPr/>
+      </p:nvGrpSpPr>
+      <p:grpSpPr>
+        <a:xfrm>
+          <a:off x="0" y="0"/>
+          <a:ext cx="0" cy="0"/>
+          <a:chOff x="0" y="0"/>
+          <a:chExt cx="0" cy="0"/>
+        </a:xfrm>
+      </p:grpSpPr>
+      <p:grpSp>
+        <p:nvGrpSpPr>
+          <p:cNvPr id="38" name="그룹 37"/>
+          <p:cNvGrpSpPr/>
+          <p:nvPr/>
+        </p:nvGrpSpPr>
+        <p:grpSpPr>
+          <a:xfrm>
+            <a:off x="262185" y="463748"/>
+            <a:ext cx="9558326" cy="4352642"/>
+            <a:chOff x="262185" y="463748"/>
+            <a:chExt cx="9558326" cy="4352642"/>
+          </a:xfrm>
+        </p:grpSpPr>
+        <mc:AlternateContent xmlns:mc="http://schemas.openxmlformats.org/markup-compatibility/2006">
+          <mc:Choice xmlns:a14="http://schemas.microsoft.com/office/drawing/2010/main" Requires="a14">
+            <p:sp>
+              <p:nvSpPr>
+                <p:cNvPr id="18" name="TextBox 17"/>
+                <p:cNvSpPr txBox="1"/>
+                <p:nvPr/>
+              </p:nvSpPr>
+              <p:spPr>
+                <a:xfrm>
+                  <a:off x="5335033" y="988489"/>
+                  <a:ext cx="1527021" cy="345416"/>
+                </a:xfrm>
+                <a:prstGeom prst="rect">
+                  <a:avLst/>
+                </a:prstGeom>
+                <a:noFill/>
+              </p:spPr>
+              <p:txBody>
+                <a:bodyPr wrap="none" lIns="0" tIns="0" rIns="0" bIns="0" rtlCol="0">
+                  <a:spAutoFit/>
+                </a:bodyPr>
+                <a:lstStyle/>
+                <a:p>
+                  <a14:m>
+                    <m:oMathPara xmlns:m="http://schemas.openxmlformats.org/officeDocument/2006/math">
+                      <m:oMathParaPr>
+                        <m:jc m:val="centerGroup"/>
+                      </m:oMathParaPr>
+                      <m:oMath xmlns:m="http://schemas.openxmlformats.org/officeDocument/2006/math">
+                        <m:sSub>
+                          <m:sSubPr>
+                            <m:ctrlPr>
+                              <a:rPr lang="en-US" altLang="ko-KR" b="0" i="1" smtClean="0">
+                                <a:latin typeface="Cambria Math" panose="02040503050406030204" pitchFamily="18" charset="0"/>
+                              </a:rPr>
+                            </m:ctrlPr>
+                          </m:sSubPr>
+                          <m:e>
+                            <m:r>
+                              <a:rPr lang="en-US" altLang="ko-KR" b="0" i="1" smtClean="0">
+                                <a:latin typeface="Cambria Math" panose="02040503050406030204" pitchFamily="18" charset="0"/>
+                              </a:rPr>
+                              <m:t>h</m:t>
+                            </m:r>
+                          </m:e>
+                          <m:sub>
+                            <m:r>
+                              <a:rPr lang="en-US" altLang="ko-KR" b="0" i="1" smtClean="0">
+                                <a:latin typeface="Cambria Math" panose="02040503050406030204" pitchFamily="18" charset="0"/>
+                              </a:rPr>
+                              <m:t>𝑥</m:t>
+                            </m:r>
+                          </m:sub>
+                        </m:sSub>
+                        <m:r>
+                          <a:rPr lang="en-US" altLang="ko-KR" b="0" i="1" smtClean="0">
+                            <a:latin typeface="Cambria Math" panose="02040503050406030204" pitchFamily="18" charset="0"/>
+                          </a:rPr>
+                          <m:t>=</m:t>
+                        </m:r>
+                        <m:rad>
+                          <m:radPr>
+                            <m:degHide m:val="on"/>
+                            <m:ctrlPr>
+                              <a:rPr lang="en-US" altLang="ko-KR" b="0" i="1" smtClean="0">
+                                <a:latin typeface="Cambria Math" panose="02040503050406030204" pitchFamily="18" charset="0"/>
+                              </a:rPr>
+                            </m:ctrlPr>
+                          </m:radPr>
+                          <m:deg/>
+                          <m:e>
+                            <m:sSup>
+                              <m:sSupPr>
+                                <m:ctrlPr>
+                                  <a:rPr lang="en-US" altLang="ko-KR" i="1">
+                                    <a:latin typeface="Cambria Math" panose="02040503050406030204" pitchFamily="18" charset="0"/>
+                                  </a:rPr>
+                                </m:ctrlPr>
+                              </m:sSupPr>
+                              <m:e>
+                                <m:r>
+                                  <a:rPr lang="en-US" altLang="ko-KR" i="1">
+                                    <a:latin typeface="Cambria Math" panose="02040503050406030204" pitchFamily="18" charset="0"/>
+                                  </a:rPr>
+                                  <m:t>𝑥</m:t>
+                                </m:r>
+                              </m:e>
+                              <m:sup>
+                                <m:r>
+                                  <a:rPr lang="en-US" altLang="ko-KR" i="1">
+                                    <a:latin typeface="Cambria Math" panose="02040503050406030204" pitchFamily="18" charset="0"/>
+                                  </a:rPr>
+                                  <m:t>2</m:t>
+                                </m:r>
+                              </m:sup>
+                            </m:sSup>
+                            <m:r>
+                              <a:rPr lang="en-US" altLang="ko-KR" i="1">
+                                <a:latin typeface="Cambria Math" panose="02040503050406030204" pitchFamily="18" charset="0"/>
+                              </a:rPr>
+                              <m:t>−</m:t>
+                            </m:r>
+                            <m:sSup>
+                              <m:sSupPr>
+                                <m:ctrlPr>
+                                  <a:rPr lang="en-US" altLang="ko-KR" i="1">
+                                    <a:latin typeface="Cambria Math" panose="02040503050406030204" pitchFamily="18" charset="0"/>
+                                  </a:rPr>
+                                </m:ctrlPr>
+                              </m:sSupPr>
+                              <m:e>
+                                <m:r>
+                                  <a:rPr lang="en-US" altLang="ko-KR" b="0" i="1" smtClean="0">
+                                    <a:latin typeface="Cambria Math" panose="02040503050406030204" pitchFamily="18" charset="0"/>
+                                  </a:rPr>
+                                  <m:t>𝑡</m:t>
+                                </m:r>
+                              </m:e>
+                              <m:sup>
+                                <m:r>
+                                  <a:rPr lang="en-US" altLang="ko-KR" i="1">
+                                    <a:latin typeface="Cambria Math" panose="02040503050406030204" pitchFamily="18" charset="0"/>
+                                  </a:rPr>
+                                  <m:t>2</m:t>
+                                </m:r>
+                              </m:sup>
+                            </m:sSup>
+                          </m:e>
+                        </m:rad>
+                      </m:oMath>
+                    </m:oMathPara>
+                  </a14:m>
+                  <a:endParaRPr lang="en-US" altLang="ko-KR" b="0" dirty="0" smtClean="0"/>
+                </a:p>
+              </p:txBody>
+            </p:sp>
+          </mc:Choice>
+          <mc:Fallback>
+            <p:sp>
+              <p:nvSpPr>
+                <p:cNvPr id="18" name="TextBox 17"/>
+                <p:cNvSpPr txBox="1">
+                  <a:spLocks noRot="1" noChangeAspect="1" noMove="1" noResize="1" noEditPoints="1" noAdjustHandles="1" noChangeArrowheads="1" noChangeShapeType="1" noTextEdit="1"/>
+                </p:cNvSpPr>
+                <p:nvPr/>
+              </p:nvSpPr>
+              <p:spPr>
+                <a:xfrm>
+                  <a:off x="5335033" y="988489"/>
+                  <a:ext cx="1527021" cy="345416"/>
+                </a:xfrm>
+                <a:prstGeom prst="rect">
+                  <a:avLst/>
+                </a:prstGeom>
+                <a:blipFill>
+                  <a:blip r:embed="rId2"/>
+                  <a:stretch>
+                    <a:fillRect l="-2390" b="-12281"/>
+                  </a:stretch>
+                </a:blipFill>
+              </p:spPr>
+              <p:txBody>
+                <a:bodyPr/>
+                <a:lstStyle/>
+                <a:p>
+                  <a:r>
+                    <a:rPr lang="ko-KR" altLang="en-US">
+                      <a:noFill/>
+                    </a:rPr>
+                    <a:t> </a:t>
+                  </a:r>
+                </a:p>
+              </p:txBody>
+            </p:sp>
+          </mc:Fallback>
+        </mc:AlternateContent>
+        <mc:AlternateContent xmlns:mc="http://schemas.openxmlformats.org/markup-compatibility/2006">
+          <mc:Choice xmlns:a14="http://schemas.microsoft.com/office/drawing/2010/main" Requires="a14">
+            <p:sp>
+              <p:nvSpPr>
+                <p:cNvPr id="19" name="TextBox 18"/>
+                <p:cNvSpPr txBox="1"/>
+                <p:nvPr/>
+              </p:nvSpPr>
+              <p:spPr>
+                <a:xfrm>
+                  <a:off x="5335033" y="1350877"/>
+                  <a:ext cx="1539717" cy="358111"/>
+                </a:xfrm>
+                <a:prstGeom prst="rect">
+                  <a:avLst/>
+                </a:prstGeom>
+                <a:noFill/>
+              </p:spPr>
+              <p:txBody>
+                <a:bodyPr wrap="none" lIns="0" tIns="0" rIns="0" bIns="0" rtlCol="0">
+                  <a:spAutoFit/>
+                </a:bodyPr>
+                <a:lstStyle/>
+                <a:p>
+                  <a14:m>
+                    <m:oMathPara xmlns:m="http://schemas.openxmlformats.org/officeDocument/2006/math">
+                      <m:oMathParaPr>
+                        <m:jc m:val="centerGroup"/>
+                      </m:oMathParaPr>
+                      <m:oMath xmlns:m="http://schemas.openxmlformats.org/officeDocument/2006/math">
+                        <m:sSub>
+                          <m:sSubPr>
+                            <m:ctrlPr>
+                              <a:rPr lang="en-US" altLang="ko-KR" b="0" i="1" smtClean="0">
+                                <a:latin typeface="Cambria Math" panose="02040503050406030204" pitchFamily="18" charset="0"/>
+                              </a:rPr>
+                            </m:ctrlPr>
+                          </m:sSubPr>
+                          <m:e>
+                            <m:r>
+                              <a:rPr lang="en-US" altLang="ko-KR" b="0" i="1" smtClean="0">
+                                <a:latin typeface="Cambria Math" panose="02040503050406030204" pitchFamily="18" charset="0"/>
+                              </a:rPr>
+                              <m:t>h</m:t>
+                            </m:r>
+                          </m:e>
+                          <m:sub>
+                            <m:r>
+                              <a:rPr lang="en-US" altLang="ko-KR" b="0" i="1" smtClean="0">
+                                <a:latin typeface="Cambria Math" panose="02040503050406030204" pitchFamily="18" charset="0"/>
+                              </a:rPr>
+                              <m:t>𝑦</m:t>
+                            </m:r>
+                          </m:sub>
+                        </m:sSub>
+                        <m:r>
+                          <a:rPr lang="en-US" altLang="ko-KR" b="0" i="1" smtClean="0">
+                            <a:latin typeface="Cambria Math" panose="02040503050406030204" pitchFamily="18" charset="0"/>
+                          </a:rPr>
+                          <m:t>=</m:t>
+                        </m:r>
+                        <m:rad>
+                          <m:radPr>
+                            <m:degHide m:val="on"/>
+                            <m:ctrlPr>
+                              <a:rPr lang="en-US" altLang="ko-KR" b="0" i="1" smtClean="0">
+                                <a:latin typeface="Cambria Math" panose="02040503050406030204" pitchFamily="18" charset="0"/>
+                              </a:rPr>
+                            </m:ctrlPr>
+                          </m:radPr>
+                          <m:deg/>
+                          <m:e>
+                            <m:sSup>
+                              <m:sSupPr>
+                                <m:ctrlPr>
+                                  <a:rPr lang="en-US" altLang="ko-KR" i="1">
+                                    <a:latin typeface="Cambria Math" panose="02040503050406030204" pitchFamily="18" charset="0"/>
+                                  </a:rPr>
+                                </m:ctrlPr>
+                              </m:sSupPr>
+                              <m:e>
+                                <m:r>
+                                  <a:rPr lang="en-US" altLang="ko-KR" b="0" i="1" smtClean="0">
+                                    <a:latin typeface="Cambria Math" panose="02040503050406030204" pitchFamily="18" charset="0"/>
+                                  </a:rPr>
+                                  <m:t>𝑦</m:t>
+                                </m:r>
+                              </m:e>
+                              <m:sup>
+                                <m:r>
+                                  <a:rPr lang="en-US" altLang="ko-KR" i="1">
+                                    <a:latin typeface="Cambria Math" panose="02040503050406030204" pitchFamily="18" charset="0"/>
+                                  </a:rPr>
+                                  <m:t>2</m:t>
+                                </m:r>
+                              </m:sup>
+                            </m:sSup>
+                            <m:r>
+                              <a:rPr lang="en-US" altLang="ko-KR" i="1">
+                                <a:latin typeface="Cambria Math" panose="02040503050406030204" pitchFamily="18" charset="0"/>
+                              </a:rPr>
+                              <m:t>−</m:t>
+                            </m:r>
+                            <m:sSup>
+                              <m:sSupPr>
+                                <m:ctrlPr>
+                                  <a:rPr lang="en-US" altLang="ko-KR" i="1">
+                                    <a:latin typeface="Cambria Math" panose="02040503050406030204" pitchFamily="18" charset="0"/>
+                                  </a:rPr>
+                                </m:ctrlPr>
+                              </m:sSupPr>
+                              <m:e>
+                                <m:r>
+                                  <a:rPr lang="en-US" altLang="ko-KR" b="0" i="1" smtClean="0">
+                                    <a:latin typeface="Cambria Math" panose="02040503050406030204" pitchFamily="18" charset="0"/>
+                                  </a:rPr>
+                                  <m:t>𝑡</m:t>
+                                </m:r>
+                              </m:e>
+                              <m:sup>
+                                <m:r>
+                                  <a:rPr lang="en-US" altLang="ko-KR" i="1">
+                                    <a:latin typeface="Cambria Math" panose="02040503050406030204" pitchFamily="18" charset="0"/>
+                                  </a:rPr>
+                                  <m:t>2</m:t>
+                                </m:r>
+                              </m:sup>
+                            </m:sSup>
+                          </m:e>
+                        </m:rad>
+                      </m:oMath>
+                    </m:oMathPara>
+                  </a14:m>
+                  <a:endParaRPr lang="en-US" altLang="ko-KR" b="0" dirty="0" smtClean="0"/>
+                </a:p>
+              </p:txBody>
+            </p:sp>
+          </mc:Choice>
+          <mc:Fallback>
+            <p:sp>
+              <p:nvSpPr>
+                <p:cNvPr id="19" name="TextBox 18"/>
+                <p:cNvSpPr txBox="1">
+                  <a:spLocks noRot="1" noChangeAspect="1" noMove="1" noResize="1" noEditPoints="1" noAdjustHandles="1" noChangeArrowheads="1" noChangeShapeType="1" noTextEdit="1"/>
+                </p:cNvSpPr>
+                <p:nvPr/>
+              </p:nvSpPr>
+              <p:spPr>
+                <a:xfrm>
+                  <a:off x="5335033" y="1350877"/>
+                  <a:ext cx="1539717" cy="358111"/>
+                </a:xfrm>
+                <a:prstGeom prst="rect">
+                  <a:avLst/>
+                </a:prstGeom>
+                <a:blipFill>
+                  <a:blip r:embed="rId3"/>
+                  <a:stretch>
+                    <a:fillRect l="-2372" b="-17241"/>
+                  </a:stretch>
+                </a:blipFill>
+              </p:spPr>
+              <p:txBody>
+                <a:bodyPr/>
+                <a:lstStyle/>
+                <a:p>
+                  <a:r>
+                    <a:rPr lang="ko-KR" altLang="en-US">
+                      <a:noFill/>
+                    </a:rPr>
+                    <a:t> </a:t>
+                  </a:r>
+                </a:p>
+              </p:txBody>
+            </p:sp>
+          </mc:Fallback>
+        </mc:AlternateContent>
+        <p:sp>
+          <p:nvSpPr>
+            <p:cNvPr id="24" name="오른쪽 화살표 23"/>
+            <p:cNvSpPr/>
+            <p:nvPr/>
+          </p:nvSpPr>
+          <p:spPr>
+            <a:xfrm>
+              <a:off x="5433060" y="4316846"/>
+              <a:ext cx="450504" cy="320040"/>
+            </a:xfrm>
+            <a:prstGeom prst="rightArrow">
+              <a:avLst/>
+            </a:prstGeom>
+            <a:solidFill>
+              <a:srgbClr val="92D050"/>
+            </a:solidFill>
+            <a:ln>
+              <a:noFill/>
+            </a:ln>
+          </p:spPr>
+          <p:style>
+            <a:lnRef idx="2">
+              <a:schemeClr val="accent1">
+                <a:shade val="50000"/>
+              </a:schemeClr>
+            </a:lnRef>
+            <a:fillRef idx="1">
+              <a:schemeClr val="accent1"/>
+            </a:fillRef>
+            <a:effectRef idx="0">
+              <a:schemeClr val="accent1"/>
+            </a:effectRef>
+            <a:fontRef idx="minor">
+              <a:schemeClr val="lt1"/>
+            </a:fontRef>
+          </p:style>
+          <p:txBody>
+            <a:bodyPr rtlCol="0" anchor="ctr"/>
+            <a:lstStyle/>
+            <a:p>
+              <a:pPr algn="ctr"/>
+              <a:endParaRPr lang="ko-KR" altLang="en-US"/>
+            </a:p>
+          </p:txBody>
+        </p:sp>
+        <p:grpSp>
+          <p:nvGrpSpPr>
+            <p:cNvPr id="31" name="그룹 30"/>
+            <p:cNvGrpSpPr/>
+            <p:nvPr/>
+          </p:nvGrpSpPr>
+          <p:grpSpPr>
+            <a:xfrm>
+              <a:off x="262185" y="463748"/>
+              <a:ext cx="4768048" cy="3902512"/>
+              <a:chOff x="262185" y="463748"/>
+              <a:chExt cx="4768048" cy="3902512"/>
+            </a:xfrm>
+          </p:grpSpPr>
+          <p:pic>
+            <p:nvPicPr>
+              <p:cNvPr id="4" name="그림 3"/>
+              <p:cNvPicPr>
+                <a:picLocks noChangeAspect="1"/>
+              </p:cNvPicPr>
+              <p:nvPr/>
+            </p:nvPicPr>
+            <p:blipFill>
+              <a:blip r:embed="rId4">
+                <a:extLst>
+                  <a:ext uri="{28A0092B-C50C-407E-A947-70E740481C1C}">
+                    <a14:useLocalDpi xmlns:a14="http://schemas.microsoft.com/office/drawing/2010/main" val="0"/>
+                  </a:ext>
+                </a:extLst>
+              </a:blip>
+              <a:stretch>
+                <a:fillRect/>
+              </a:stretch>
+            </p:blipFill>
+            <p:spPr>
+              <a:xfrm>
+                <a:off x="262185" y="463748"/>
+                <a:ext cx="4768048" cy="3902512"/>
+              </a:xfrm>
+              <a:prstGeom prst="rect">
+                <a:avLst/>
+              </a:prstGeom>
+            </p:spPr>
+          </p:pic>
+          <p:cxnSp>
+            <p:nvCxnSpPr>
+              <p:cNvPr id="6" name="직선 연결선 5"/>
+              <p:cNvCxnSpPr/>
+              <p:nvPr/>
+            </p:nvCxnSpPr>
+            <p:spPr>
+              <a:xfrm>
+                <a:off x="2209800" y="2887980"/>
+                <a:ext cx="0" cy="716280"/>
+              </a:xfrm>
+              <a:prstGeom prst="line">
+                <a:avLst/>
+              </a:prstGeom>
+              <a:ln w="25400" cap="rnd">
+                <a:solidFill>
+                  <a:srgbClr val="FF0000"/>
+                </a:solidFill>
+              </a:ln>
+            </p:spPr>
+            <p:style>
+              <a:lnRef idx="1">
+                <a:schemeClr val="accent1"/>
+              </a:lnRef>
+              <a:fillRef idx="0">
+                <a:schemeClr val="accent1"/>
+              </a:fillRef>
+              <a:effectRef idx="0">
+                <a:schemeClr val="accent1"/>
+              </a:effectRef>
+              <a:fontRef idx="minor">
+                <a:schemeClr val="tx1"/>
+              </a:fontRef>
+            </p:style>
+          </p:cxnSp>
+          <p:sp>
+            <p:nvSpPr>
+              <p:cNvPr id="7" name="TextBox 6"/>
+              <p:cNvSpPr txBox="1"/>
+              <p:nvPr/>
+            </p:nvSpPr>
+            <p:spPr>
+              <a:xfrm>
+                <a:off x="2186940" y="3061454"/>
+                <a:ext cx="273685" cy="369332"/>
+              </a:xfrm>
+              <a:prstGeom prst="rect">
+                <a:avLst/>
+              </a:prstGeom>
+              <a:noFill/>
+            </p:spPr>
+            <p:txBody>
+              <a:bodyPr wrap="square" rtlCol="0">
+                <a:spAutoFit/>
+              </a:bodyPr>
+              <a:lstStyle/>
+              <a:p>
+                <a:r>
+                  <a:rPr lang="en-US" altLang="ko-KR" b="1" dirty="0" smtClean="0">
+                    <a:solidFill>
+                      <a:srgbClr val="FF0000"/>
+                    </a:solidFill>
+                  </a:rPr>
+                  <a:t>c</a:t>
+                </a:r>
+                <a:endParaRPr lang="ko-KR" altLang="en-US" b="1" dirty="0">
+                  <a:solidFill>
+                    <a:srgbClr val="FF0000"/>
+                  </a:solidFill>
+                </a:endParaRPr>
+              </a:p>
+            </p:txBody>
+          </p:sp>
+          <p:sp>
+            <p:nvSpPr>
+              <p:cNvPr id="8" name="TextBox 7"/>
+              <p:cNvSpPr txBox="1"/>
+              <p:nvPr/>
+            </p:nvSpPr>
+            <p:spPr>
+              <a:xfrm>
+                <a:off x="1748790" y="3528735"/>
+                <a:ext cx="273685" cy="369332"/>
+              </a:xfrm>
+              <a:prstGeom prst="rect">
+                <a:avLst/>
+              </a:prstGeom>
+              <a:noFill/>
+            </p:spPr>
+            <p:txBody>
+              <a:bodyPr wrap="square" rtlCol="0">
+                <a:spAutoFit/>
+              </a:bodyPr>
+              <a:lstStyle/>
+              <a:p>
+                <a:r>
+                  <a:rPr lang="en-US" altLang="ko-KR" b="1" dirty="0" smtClean="0">
+                    <a:solidFill>
+                      <a:srgbClr val="92D050"/>
+                    </a:solidFill>
+                  </a:rPr>
+                  <a:t>t</a:t>
+                </a:r>
+                <a:endParaRPr lang="ko-KR" altLang="en-US" b="1" dirty="0">
+                  <a:solidFill>
+                    <a:srgbClr val="92D050"/>
+                  </a:solidFill>
+                </a:endParaRPr>
+              </a:p>
+            </p:txBody>
+          </p:sp>
+          <p:cxnSp>
+            <p:nvCxnSpPr>
+              <p:cNvPr id="11" name="직선 연결선 10"/>
+              <p:cNvCxnSpPr/>
+              <p:nvPr/>
+            </p:nvCxnSpPr>
+            <p:spPr>
+              <a:xfrm>
+                <a:off x="1500188" y="3604260"/>
+                <a:ext cx="1163637" cy="0"/>
+              </a:xfrm>
+              <a:prstGeom prst="line">
+                <a:avLst/>
+              </a:prstGeom>
+              <a:ln w="25400" cap="rnd">
+                <a:solidFill>
+                  <a:srgbClr val="92D050"/>
+                </a:solidFill>
+              </a:ln>
+            </p:spPr>
+            <p:style>
+              <a:lnRef idx="1">
+                <a:schemeClr val="accent1"/>
+              </a:lnRef>
+              <a:fillRef idx="0">
+                <a:schemeClr val="accent1"/>
+              </a:fillRef>
+              <a:effectRef idx="0">
+                <a:schemeClr val="accent1"/>
+              </a:effectRef>
+              <a:fontRef idx="minor">
+                <a:schemeClr val="tx1"/>
+              </a:fontRef>
+            </p:style>
+          </p:cxnSp>
+          <mc:AlternateContent xmlns:mc="http://schemas.openxmlformats.org/markup-compatibility/2006">
+            <mc:Choice xmlns:a14="http://schemas.microsoft.com/office/drawing/2010/main" Requires="a14">
+              <p:sp>
+                <p:nvSpPr>
+                  <p:cNvPr id="29" name="TextBox 28"/>
+                  <p:cNvSpPr txBox="1"/>
+                  <p:nvPr/>
+                </p:nvSpPr>
+                <p:spPr>
+                  <a:xfrm>
+                    <a:off x="1199280" y="2565262"/>
+                    <a:ext cx="323422" cy="276999"/>
+                  </a:xfrm>
+                  <a:prstGeom prst="rect">
+                    <a:avLst/>
+                  </a:prstGeom>
+                  <a:noFill/>
+                </p:spPr>
+                <p:txBody>
+                  <a:bodyPr wrap="none" lIns="0" tIns="0" rIns="0" bIns="0" rtlCol="0">
+                    <a:spAutoFit/>
+                  </a:bodyPr>
+                  <a:lstStyle/>
+                  <a:p>
+                    <a14:m>
+                      <m:oMathPara xmlns:m="http://schemas.openxmlformats.org/officeDocument/2006/math">
+                        <m:oMathParaPr>
+                          <m:jc m:val="centerGroup"/>
+                        </m:oMathParaPr>
+                        <m:oMath xmlns:m="http://schemas.openxmlformats.org/officeDocument/2006/math">
+                          <m:sSub>
+                            <m:sSubPr>
+                              <m:ctrlPr>
+                                <a:rPr lang="en-US" altLang="ko-KR" b="0" i="1" smtClean="0">
+                                  <a:latin typeface="Cambria Math" panose="02040503050406030204" pitchFamily="18" charset="0"/>
+                                </a:rPr>
+                              </m:ctrlPr>
+                            </m:sSubPr>
+                            <m:e>
+                              <m:r>
+                                <a:rPr lang="en-US" altLang="ko-KR" b="0" i="1" smtClean="0">
+                                  <a:latin typeface="Cambria Math" panose="02040503050406030204" pitchFamily="18" charset="0"/>
+                                </a:rPr>
+                                <m:t>h</m:t>
+                              </m:r>
+                            </m:e>
+                            <m:sub>
+                              <m:r>
+                                <a:rPr lang="en-US" altLang="ko-KR" b="0" i="1" smtClean="0">
+                                  <a:latin typeface="Cambria Math" panose="02040503050406030204" pitchFamily="18" charset="0"/>
+                                </a:rPr>
+                                <m:t>𝑥</m:t>
+                              </m:r>
+                            </m:sub>
+                          </m:sSub>
+                        </m:oMath>
+                      </m:oMathPara>
+                    </a14:m>
+                    <a:endParaRPr lang="ko-KR" altLang="en-US" dirty="0"/>
+                  </a:p>
+                </p:txBody>
+              </p:sp>
+            </mc:Choice>
+            <mc:Fallback>
+              <p:sp>
+                <p:nvSpPr>
+                  <p:cNvPr id="29" name="TextBox 28"/>
+                  <p:cNvSpPr txBox="1">
+                    <a:spLocks noRot="1" noChangeAspect="1" noMove="1" noResize="1" noEditPoints="1" noAdjustHandles="1" noChangeArrowheads="1" noChangeShapeType="1" noTextEdit="1"/>
+                  </p:cNvSpPr>
+                  <p:nvPr/>
+                </p:nvSpPr>
+                <p:spPr>
+                  <a:xfrm>
+                    <a:off x="1199280" y="2565262"/>
+                    <a:ext cx="323422" cy="276999"/>
+                  </a:xfrm>
+                  <a:prstGeom prst="rect">
+                    <a:avLst/>
+                  </a:prstGeom>
+                  <a:blipFill>
+                    <a:blip r:embed="rId5"/>
+                    <a:stretch>
+                      <a:fillRect l="-13208" b="-15556"/>
+                    </a:stretch>
+                  </a:blipFill>
+                </p:spPr>
+                <p:txBody>
+                  <a:bodyPr/>
+                  <a:lstStyle/>
+                  <a:p>
+                    <a:r>
+                      <a:rPr lang="ko-KR" altLang="en-US">
+                        <a:noFill/>
+                      </a:rPr>
+                      <a:t> </a:t>
+                    </a:r>
+                  </a:p>
+                </p:txBody>
+              </p:sp>
+            </mc:Fallback>
+          </mc:AlternateContent>
+          <mc:AlternateContent xmlns:mc="http://schemas.openxmlformats.org/markup-compatibility/2006">
+            <mc:Choice xmlns:a14="http://schemas.microsoft.com/office/drawing/2010/main" Requires="a14">
+              <p:sp>
+                <p:nvSpPr>
+                  <p:cNvPr id="30" name="TextBox 29"/>
+                  <p:cNvSpPr txBox="1"/>
+                  <p:nvPr/>
+                </p:nvSpPr>
+                <p:spPr>
+                  <a:xfrm>
+                    <a:off x="2663825" y="2887980"/>
+                    <a:ext cx="331053" cy="298928"/>
+                  </a:xfrm>
+                  <a:prstGeom prst="rect">
+                    <a:avLst/>
+                  </a:prstGeom>
+                  <a:noFill/>
+                </p:spPr>
+                <p:txBody>
+                  <a:bodyPr wrap="none" lIns="0" tIns="0" rIns="0" bIns="0" rtlCol="0">
+                    <a:spAutoFit/>
+                  </a:bodyPr>
+                  <a:lstStyle/>
+                  <a:p>
+                    <a14:m>
+                      <m:oMathPara xmlns:m="http://schemas.openxmlformats.org/officeDocument/2006/math">
+                        <m:oMathParaPr>
+                          <m:jc m:val="centerGroup"/>
+                        </m:oMathParaPr>
+                        <m:oMath xmlns:m="http://schemas.openxmlformats.org/officeDocument/2006/math">
+                          <m:sSub>
+                            <m:sSubPr>
+                              <m:ctrlPr>
+                                <a:rPr lang="en-US" altLang="ko-KR" b="0" i="1" smtClean="0">
+                                  <a:latin typeface="Cambria Math" panose="02040503050406030204" pitchFamily="18" charset="0"/>
+                                </a:rPr>
+                              </m:ctrlPr>
+                            </m:sSubPr>
+                            <m:e>
+                              <m:r>
+                                <a:rPr lang="en-US" altLang="ko-KR" b="0" i="1" smtClean="0">
+                                  <a:latin typeface="Cambria Math" panose="02040503050406030204" pitchFamily="18" charset="0"/>
+                                </a:rPr>
+                                <m:t>h</m:t>
+                              </m:r>
+                            </m:e>
+                            <m:sub>
+                              <m:r>
+                                <a:rPr lang="en-US" altLang="ko-KR" b="0" i="1" smtClean="0">
+                                  <a:latin typeface="Cambria Math" panose="02040503050406030204" pitchFamily="18" charset="0"/>
+                                </a:rPr>
+                                <m:t>𝑦</m:t>
+                              </m:r>
+                            </m:sub>
+                          </m:sSub>
+                        </m:oMath>
+                      </m:oMathPara>
+                    </a14:m>
+                    <a:endParaRPr lang="ko-KR" altLang="en-US" dirty="0"/>
+                  </a:p>
+                </p:txBody>
+              </p:sp>
+            </mc:Choice>
+            <mc:Fallback>
+              <p:sp>
+                <p:nvSpPr>
+                  <p:cNvPr id="30" name="TextBox 29"/>
+                  <p:cNvSpPr txBox="1">
+                    <a:spLocks noRot="1" noChangeAspect="1" noMove="1" noResize="1" noEditPoints="1" noAdjustHandles="1" noChangeArrowheads="1" noChangeShapeType="1" noTextEdit="1"/>
+                  </p:cNvSpPr>
+                  <p:nvPr/>
+                </p:nvSpPr>
+                <p:spPr>
+                  <a:xfrm>
+                    <a:off x="2663825" y="2887980"/>
+                    <a:ext cx="331053" cy="298928"/>
+                  </a:xfrm>
+                  <a:prstGeom prst="rect">
+                    <a:avLst/>
+                  </a:prstGeom>
+                  <a:blipFill>
+                    <a:blip r:embed="rId6"/>
+                    <a:stretch>
+                      <a:fillRect l="-12963" r="-3704" b="-20408"/>
+                    </a:stretch>
+                  </a:blipFill>
+                </p:spPr>
+                <p:txBody>
+                  <a:bodyPr/>
+                  <a:lstStyle/>
+                  <a:p>
+                    <a:r>
+                      <a:rPr lang="ko-KR" altLang="en-US">
+                        <a:noFill/>
+                      </a:rPr>
+                      <a:t> </a:t>
+                    </a:r>
+                  </a:p>
+                </p:txBody>
+              </p:sp>
+            </mc:Fallback>
+          </mc:AlternateContent>
+        </p:grpSp>
+        <mc:AlternateContent xmlns:mc="http://schemas.openxmlformats.org/markup-compatibility/2006">
+          <mc:Choice xmlns:a14="http://schemas.microsoft.com/office/drawing/2010/main" Requires="a14">
+            <p:sp>
+              <p:nvSpPr>
+                <p:cNvPr id="32" name="TextBox 31"/>
+                <p:cNvSpPr txBox="1"/>
+                <p:nvPr/>
+              </p:nvSpPr>
+              <p:spPr>
+                <a:xfrm>
+                  <a:off x="6006138" y="2168055"/>
+                  <a:ext cx="1361398" cy="603691"/>
+                </a:xfrm>
+                <a:prstGeom prst="rect">
+                  <a:avLst/>
+                </a:prstGeom>
+                <a:noFill/>
+              </p:spPr>
+              <p:txBody>
+                <a:bodyPr wrap="none" lIns="0" tIns="0" rIns="0" bIns="0" rtlCol="0">
+                  <a:spAutoFit/>
+                </a:bodyPr>
+                <a:lstStyle/>
+                <a:p>
+                  <a14:m>
+                    <m:oMathPara xmlns:m="http://schemas.openxmlformats.org/officeDocument/2006/math">
+                      <m:oMathParaPr>
+                        <m:jc m:val="centerGroup"/>
+                      </m:oMathParaPr>
+                      <m:oMath xmlns:m="http://schemas.openxmlformats.org/officeDocument/2006/math">
+                        <m:f>
+                          <m:fPr>
+                            <m:ctrlPr>
+                              <a:rPr lang="en-US" altLang="ko-KR" b="0" i="1" smtClean="0">
+                                <a:latin typeface="Cambria Math" panose="02040503050406030204" pitchFamily="18" charset="0"/>
+                              </a:rPr>
+                            </m:ctrlPr>
+                          </m:fPr>
+                          <m:num>
+                            <m:sSub>
+                              <m:sSubPr>
+                                <m:ctrlPr>
+                                  <a:rPr lang="en-US" altLang="ko-KR" b="0" i="1" smtClean="0">
+                                    <a:latin typeface="Cambria Math" panose="02040503050406030204" pitchFamily="18" charset="0"/>
+                                  </a:rPr>
+                                </m:ctrlPr>
+                              </m:sSubPr>
+                              <m:e>
+                                <m:r>
+                                  <a:rPr lang="en-US" altLang="ko-KR" b="0" i="1" smtClean="0">
+                                    <a:latin typeface="Cambria Math" panose="02040503050406030204" pitchFamily="18" charset="0"/>
+                                  </a:rPr>
+                                  <m:t>h</m:t>
+                                </m:r>
+                              </m:e>
+                              <m:sub>
+                                <m:r>
+                                  <a:rPr lang="en-US" altLang="ko-KR" b="0" i="1" smtClean="0">
+                                    <a:latin typeface="Cambria Math" panose="02040503050406030204" pitchFamily="18" charset="0"/>
+                                  </a:rPr>
+                                  <m:t>𝑥</m:t>
+                                </m:r>
+                              </m:sub>
+                            </m:sSub>
+                          </m:num>
+                          <m:den>
+                            <m:sSub>
+                              <m:sSubPr>
+                                <m:ctrlPr>
+                                  <a:rPr lang="en-US" altLang="ko-KR" b="0" i="1" smtClean="0">
+                                    <a:latin typeface="Cambria Math" panose="02040503050406030204" pitchFamily="18" charset="0"/>
+                                  </a:rPr>
+                                </m:ctrlPr>
+                              </m:sSubPr>
+                              <m:e>
+                                <m:r>
+                                  <a:rPr lang="en-US" altLang="ko-KR" b="0" i="1" smtClean="0">
+                                    <a:latin typeface="Cambria Math" panose="02040503050406030204" pitchFamily="18" charset="0"/>
+                                  </a:rPr>
+                                  <m:t>h</m:t>
+                                </m:r>
+                              </m:e>
+                              <m:sub>
+                                <m:r>
+                                  <a:rPr lang="en-US" altLang="ko-KR" b="0" i="1" smtClean="0">
+                                    <a:latin typeface="Cambria Math" panose="02040503050406030204" pitchFamily="18" charset="0"/>
+                                  </a:rPr>
+                                  <m:t>𝑥</m:t>
+                                </m:r>
+                              </m:sub>
+                            </m:sSub>
+                            <m:r>
+                              <a:rPr lang="en-US" altLang="ko-KR" b="0" i="1" smtClean="0">
+                                <a:latin typeface="Cambria Math" panose="02040503050406030204" pitchFamily="18" charset="0"/>
+                              </a:rPr>
+                              <m:t>+</m:t>
+                            </m:r>
+                            <m:sSub>
+                              <m:sSubPr>
+                                <m:ctrlPr>
+                                  <a:rPr lang="en-US" altLang="ko-KR" b="0" i="1" smtClean="0">
+                                    <a:latin typeface="Cambria Math" panose="02040503050406030204" pitchFamily="18" charset="0"/>
+                                  </a:rPr>
+                                </m:ctrlPr>
+                              </m:sSubPr>
+                              <m:e>
+                                <m:r>
+                                  <a:rPr lang="en-US" altLang="ko-KR" b="0" i="1" smtClean="0">
+                                    <a:latin typeface="Cambria Math" panose="02040503050406030204" pitchFamily="18" charset="0"/>
+                                  </a:rPr>
+                                  <m:t>h</m:t>
+                                </m:r>
+                              </m:e>
+                              <m:sub>
+                                <m:r>
+                                  <a:rPr lang="en-US" altLang="ko-KR" b="0" i="1" smtClean="0">
+                                    <a:latin typeface="Cambria Math" panose="02040503050406030204" pitchFamily="18" charset="0"/>
+                                  </a:rPr>
+                                  <m:t>𝑦</m:t>
+                                </m:r>
+                              </m:sub>
+                            </m:sSub>
+                          </m:den>
+                        </m:f>
+                        <m:r>
+                          <a:rPr lang="en-US" altLang="ko-KR" b="0" i="1" smtClean="0">
+                            <a:latin typeface="Cambria Math" panose="02040503050406030204" pitchFamily="18" charset="0"/>
+                          </a:rPr>
+                          <m:t>=</m:t>
+                        </m:r>
+                        <m:f>
+                          <m:fPr>
+                            <m:ctrlPr>
+                              <a:rPr lang="en-US" altLang="ko-KR" b="0" i="1" smtClean="0">
+                                <a:latin typeface="Cambria Math" panose="02040503050406030204" pitchFamily="18" charset="0"/>
+                              </a:rPr>
+                            </m:ctrlPr>
+                          </m:fPr>
+                          <m:num>
+                            <m:sSub>
+                              <m:sSubPr>
+                                <m:ctrlPr>
+                                  <a:rPr lang="en-US" altLang="ko-KR" b="0" i="1" smtClean="0">
+                                    <a:latin typeface="Cambria Math" panose="02040503050406030204" pitchFamily="18" charset="0"/>
+                                  </a:rPr>
+                                </m:ctrlPr>
+                              </m:sSubPr>
+                              <m:e>
+                                <m:r>
+                                  <a:rPr lang="en-US" altLang="ko-KR" b="0" i="1" smtClean="0">
+                                    <a:latin typeface="Cambria Math" panose="02040503050406030204" pitchFamily="18" charset="0"/>
+                                  </a:rPr>
+                                  <m:t>𝑡</m:t>
+                                </m:r>
+                              </m:e>
+                              <m:sub>
+                                <m:r>
+                                  <a:rPr lang="en-US" altLang="ko-KR" b="0" i="1" smtClean="0">
+                                    <a:latin typeface="Cambria Math" panose="02040503050406030204" pitchFamily="18" charset="0"/>
+                                  </a:rPr>
+                                  <m:t>𝑥</m:t>
+                                </m:r>
+                              </m:sub>
+                            </m:sSub>
+                          </m:num>
+                          <m:den>
+                            <m:r>
+                              <a:rPr lang="en-US" altLang="ko-KR" b="0" i="1" smtClean="0">
+                                <a:latin typeface="Cambria Math" panose="02040503050406030204" pitchFamily="18" charset="0"/>
+                              </a:rPr>
+                              <m:t>𝑡</m:t>
+                            </m:r>
+                          </m:den>
+                        </m:f>
+                      </m:oMath>
+                    </m:oMathPara>
+                  </a14:m>
+                  <a:endParaRPr lang="en-US" altLang="ko-KR" b="0" dirty="0" smtClean="0"/>
+                </a:p>
+              </p:txBody>
+            </p:sp>
+          </mc:Choice>
+          <mc:Fallback>
+            <p:sp>
+              <p:nvSpPr>
+                <p:cNvPr id="32" name="TextBox 31"/>
+                <p:cNvSpPr txBox="1">
+                  <a:spLocks noRot="1" noChangeAspect="1" noMove="1" noResize="1" noEditPoints="1" noAdjustHandles="1" noChangeArrowheads="1" noChangeShapeType="1" noTextEdit="1"/>
+                </p:cNvSpPr>
+                <p:nvPr/>
+              </p:nvSpPr>
+              <p:spPr>
+                <a:xfrm>
+                  <a:off x="6006138" y="2168055"/>
+                  <a:ext cx="1361398" cy="603691"/>
+                </a:xfrm>
+                <a:prstGeom prst="rect">
+                  <a:avLst/>
+                </a:prstGeom>
+                <a:blipFill>
+                  <a:blip r:embed="rId7"/>
+                  <a:stretch>
+                    <a:fillRect/>
+                  </a:stretch>
+                </a:blipFill>
+              </p:spPr>
+              <p:txBody>
+                <a:bodyPr/>
+                <a:lstStyle/>
+                <a:p>
+                  <a:r>
+                    <a:rPr lang="ko-KR" altLang="en-US">
+                      <a:noFill/>
+                    </a:rPr>
+                    <a:t> </a:t>
+                  </a:r>
+                </a:p>
+              </p:txBody>
+            </p:sp>
+          </mc:Fallback>
+        </mc:AlternateContent>
+        <p:sp>
+          <p:nvSpPr>
+            <p:cNvPr id="34" name="오른쪽 화살표 33"/>
+            <p:cNvSpPr/>
+            <p:nvPr/>
+          </p:nvSpPr>
+          <p:spPr>
+            <a:xfrm>
+              <a:off x="5433060" y="2309880"/>
+              <a:ext cx="450504" cy="320040"/>
+            </a:xfrm>
+            <a:prstGeom prst="rightArrow">
+              <a:avLst/>
+            </a:prstGeom>
+            <a:solidFill>
+              <a:srgbClr val="92D050"/>
+            </a:solidFill>
+            <a:ln>
+              <a:noFill/>
+            </a:ln>
+          </p:spPr>
+          <p:style>
+            <a:lnRef idx="2">
+              <a:schemeClr val="accent1">
+                <a:shade val="50000"/>
+              </a:schemeClr>
+            </a:lnRef>
+            <a:fillRef idx="1">
+              <a:schemeClr val="accent1"/>
+            </a:fillRef>
+            <a:effectRef idx="0">
+              <a:schemeClr val="accent1"/>
+            </a:effectRef>
+            <a:fontRef idx="minor">
+              <a:schemeClr val="lt1"/>
+            </a:fontRef>
+          </p:style>
+          <p:txBody>
+            <a:bodyPr rtlCol="0" anchor="ctr"/>
+            <a:lstStyle/>
+            <a:p>
+              <a:pPr algn="ctr"/>
+              <a:endParaRPr lang="ko-KR" altLang="en-US"/>
+            </a:p>
+          </p:txBody>
+        </p:sp>
+        <p:grpSp>
+          <p:nvGrpSpPr>
+            <p:cNvPr id="36" name="그룹 35"/>
+            <p:cNvGrpSpPr/>
+            <p:nvPr/>
+          </p:nvGrpSpPr>
+          <p:grpSpPr>
+            <a:xfrm>
+              <a:off x="5329639" y="3152305"/>
+              <a:ext cx="1905661" cy="500330"/>
+              <a:chOff x="5329639" y="3301133"/>
+              <a:chExt cx="1905661" cy="500330"/>
+            </a:xfrm>
+          </p:grpSpPr>
+          <mc:AlternateContent xmlns:mc="http://schemas.openxmlformats.org/markup-compatibility/2006">
+            <mc:Choice xmlns:a14="http://schemas.microsoft.com/office/drawing/2010/main" Requires="a14">
+              <p:sp>
+                <p:nvSpPr>
+                  <p:cNvPr id="33" name="TextBox 32"/>
+                  <p:cNvSpPr txBox="1"/>
+                  <p:nvPr/>
+                </p:nvSpPr>
+                <p:spPr>
+                  <a:xfrm>
+                    <a:off x="5329639" y="3301133"/>
+                    <a:ext cx="985398" cy="500330"/>
+                  </a:xfrm>
+                  <a:prstGeom prst="rect">
+                    <a:avLst/>
+                  </a:prstGeom>
+                  <a:noFill/>
+                </p:spPr>
+                <p:txBody>
+                  <a:bodyPr wrap="none" lIns="0" tIns="0" rIns="0" bIns="0" rtlCol="0">
+                    <a:spAutoFit/>
+                  </a:bodyPr>
+                  <a:lstStyle/>
+                  <a:p>
+                    <a14:m>
+                      <m:oMathPara xmlns:m="http://schemas.openxmlformats.org/officeDocument/2006/math">
+                        <m:oMathParaPr>
+                          <m:jc m:val="centerGroup"/>
+                        </m:oMathParaPr>
+                        <m:oMath xmlns:m="http://schemas.openxmlformats.org/officeDocument/2006/math">
+                          <m:r>
+                            <a:rPr lang="en-US" altLang="ko-KR" b="0" i="1" smtClean="0">
+                              <a:latin typeface="Cambria Math" panose="02040503050406030204" pitchFamily="18" charset="0"/>
+                            </a:rPr>
+                            <m:t>𝑐</m:t>
+                          </m:r>
+                          <m:r>
+                            <a:rPr lang="en-US" altLang="ko-KR" b="0" i="1" smtClean="0">
+                              <a:latin typeface="Cambria Math" panose="02040503050406030204" pitchFamily="18" charset="0"/>
+                            </a:rPr>
+                            <m:t>=</m:t>
+                          </m:r>
+                          <m:f>
+                            <m:fPr>
+                              <m:ctrlPr>
+                                <a:rPr lang="en-US" altLang="ko-KR" b="0" i="1" smtClean="0">
+                                  <a:latin typeface="Cambria Math" panose="02040503050406030204" pitchFamily="18" charset="0"/>
+                                </a:rPr>
+                              </m:ctrlPr>
+                            </m:fPr>
+                            <m:num>
+                              <m:sSub>
+                                <m:sSubPr>
+                                  <m:ctrlPr>
+                                    <a:rPr lang="en-US" altLang="ko-KR" b="0" i="1" smtClean="0">
+                                      <a:latin typeface="Cambria Math" panose="02040503050406030204" pitchFamily="18" charset="0"/>
+                                    </a:rPr>
+                                  </m:ctrlPr>
+                                </m:sSubPr>
+                                <m:e>
+                                  <m:r>
+                                    <a:rPr lang="en-US" altLang="ko-KR" b="0" i="1" smtClean="0">
+                                      <a:latin typeface="Cambria Math" panose="02040503050406030204" pitchFamily="18" charset="0"/>
+                                    </a:rPr>
+                                    <m:t>𝑡</m:t>
+                                  </m:r>
+                                </m:e>
+                                <m:sub>
+                                  <m:r>
+                                    <a:rPr lang="en-US" altLang="ko-KR" b="0" i="1" smtClean="0">
+                                      <a:latin typeface="Cambria Math" panose="02040503050406030204" pitchFamily="18" charset="0"/>
+                                    </a:rPr>
+                                    <m:t>𝑥</m:t>
+                                  </m:r>
+                                </m:sub>
+                              </m:sSub>
+                            </m:num>
+                            <m:den>
+                              <m:r>
+                                <a:rPr lang="en-US" altLang="ko-KR" b="0" i="1" smtClean="0">
+                                  <a:latin typeface="Cambria Math" panose="02040503050406030204" pitchFamily="18" charset="0"/>
+                                </a:rPr>
+                                <m:t>𝑡</m:t>
+                              </m:r>
+                            </m:den>
+                          </m:f>
+                          <m:sSub>
+                            <m:sSubPr>
+                              <m:ctrlPr>
+                                <a:rPr lang="en-US" altLang="ko-KR" b="0" i="1" smtClean="0">
+                                  <a:latin typeface="Cambria Math" panose="02040503050406030204" pitchFamily="18" charset="0"/>
+                                </a:rPr>
+                              </m:ctrlPr>
+                            </m:sSubPr>
+                            <m:e>
+                              <m:r>
+                                <a:rPr lang="en-US" altLang="ko-KR" b="0" i="1" smtClean="0">
+                                  <a:latin typeface="Cambria Math" panose="02040503050406030204" pitchFamily="18" charset="0"/>
+                                </a:rPr>
+                                <m:t>h</m:t>
+                              </m:r>
+                            </m:e>
+                            <m:sub>
+                              <m:r>
+                                <a:rPr lang="en-US" altLang="ko-KR" b="0" i="1" smtClean="0">
+                                  <a:latin typeface="Cambria Math" panose="02040503050406030204" pitchFamily="18" charset="0"/>
+                                </a:rPr>
+                                <m:t>𝑦</m:t>
+                              </m:r>
+                            </m:sub>
+                          </m:sSub>
+                        </m:oMath>
+                      </m:oMathPara>
+                    </a14:m>
+                    <a:endParaRPr lang="ko-KR" altLang="en-US" dirty="0"/>
+                  </a:p>
+                </p:txBody>
+              </p:sp>
+            </mc:Choice>
+            <mc:Fallback>
+              <p:sp>
+                <p:nvSpPr>
+                  <p:cNvPr id="33" name="TextBox 32"/>
+                  <p:cNvSpPr txBox="1">
+                    <a:spLocks noRot="1" noChangeAspect="1" noMove="1" noResize="1" noEditPoints="1" noAdjustHandles="1" noChangeArrowheads="1" noChangeShapeType="1" noTextEdit="1"/>
+                  </p:cNvSpPr>
+                  <p:nvPr/>
+                </p:nvSpPr>
+                <p:spPr>
+                  <a:xfrm>
+                    <a:off x="5329639" y="3301133"/>
+                    <a:ext cx="985398" cy="500330"/>
+                  </a:xfrm>
+                  <a:prstGeom prst="rect">
+                    <a:avLst/>
+                  </a:prstGeom>
+                  <a:blipFill>
+                    <a:blip r:embed="rId8"/>
+                    <a:stretch>
+                      <a:fillRect/>
+                    </a:stretch>
+                  </a:blipFill>
+                </p:spPr>
+                <p:txBody>
+                  <a:bodyPr/>
+                  <a:lstStyle/>
+                  <a:p>
+                    <a:r>
+                      <a:rPr lang="ko-KR" altLang="en-US">
+                        <a:noFill/>
+                      </a:rPr>
+                      <a:t> </a:t>
+                    </a:r>
+                  </a:p>
+                </p:txBody>
+              </p:sp>
+            </mc:Fallback>
+          </mc:AlternateContent>
+          <p:sp>
+            <p:nvSpPr>
+              <p:cNvPr id="35" name="TextBox 34"/>
+              <p:cNvSpPr txBox="1"/>
+              <p:nvPr/>
+            </p:nvSpPr>
+            <p:spPr>
+              <a:xfrm>
+                <a:off x="6333219" y="3366632"/>
+                <a:ext cx="902081" cy="369332"/>
+              </a:xfrm>
+              <a:prstGeom prst="rect">
+                <a:avLst/>
+              </a:prstGeom>
+              <a:noFill/>
+            </p:spPr>
+            <p:txBody>
+              <a:bodyPr wrap="square" rtlCol="0">
+                <a:spAutoFit/>
+              </a:bodyPr>
+              <a:lstStyle/>
+              <a:p>
+                <a:r>
+                  <a:rPr lang="ko-KR" altLang="en-US" dirty="0" smtClean="0"/>
+                  <a:t>이므로</a:t>
+                </a:r>
+                <a:endParaRPr lang="ko-KR" altLang="en-US" dirty="0"/>
+              </a:p>
+            </p:txBody>
+          </p:sp>
+        </p:grpSp>
+        <mc:AlternateContent xmlns:mc="http://schemas.openxmlformats.org/markup-compatibility/2006">
+          <mc:Choice xmlns:a14="http://schemas.microsoft.com/office/drawing/2010/main" Requires="a14">
+            <p:sp>
+              <p:nvSpPr>
+                <p:cNvPr id="37" name="TextBox 36"/>
+                <p:cNvSpPr txBox="1"/>
+                <p:nvPr/>
+              </p:nvSpPr>
+              <p:spPr>
+                <a:xfrm>
+                  <a:off x="6139568" y="4098693"/>
+                  <a:ext cx="3680943" cy="717697"/>
+                </a:xfrm>
+                <a:prstGeom prst="rect">
+                  <a:avLst/>
+                </a:prstGeom>
+                <a:noFill/>
+              </p:spPr>
+              <p:txBody>
+                <a:bodyPr wrap="none" lIns="0" tIns="0" rIns="0" bIns="0" rtlCol="0">
+                  <a:spAutoFit/>
+                </a:bodyPr>
+                <a:lstStyle/>
+                <a:p>
+                  <a14:m>
+                    <m:oMathPara xmlns:m="http://schemas.openxmlformats.org/officeDocument/2006/math">
+                      <m:oMathParaPr>
+                        <m:jc m:val="centerGroup"/>
+                      </m:oMathParaPr>
+                      <m:oMath xmlns:m="http://schemas.openxmlformats.org/officeDocument/2006/math">
+                        <m:r>
+                          <a:rPr lang="en-US" altLang="ko-KR" b="0" i="1" smtClean="0">
+                            <a:latin typeface="Cambria Math" panose="02040503050406030204" pitchFamily="18" charset="0"/>
+                          </a:rPr>
+                          <m:t>𝑐</m:t>
+                        </m:r>
+                        <m:r>
+                          <a:rPr lang="en-US" altLang="ko-KR" b="0" i="1" smtClean="0">
+                            <a:latin typeface="Cambria Math" panose="02040503050406030204" pitchFamily="18" charset="0"/>
+                          </a:rPr>
+                          <m:t>= </m:t>
+                        </m:r>
+                        <m:f>
+                          <m:fPr>
+                            <m:ctrlPr>
+                              <a:rPr lang="en-US" altLang="ko-KR" b="0" i="1" smtClean="0">
+                                <a:latin typeface="Cambria Math" panose="02040503050406030204" pitchFamily="18" charset="0"/>
+                              </a:rPr>
+                            </m:ctrlPr>
+                          </m:fPr>
+                          <m:num>
+                            <m:sSub>
+                              <m:sSubPr>
+                                <m:ctrlPr>
+                                  <a:rPr lang="en-US" altLang="ko-KR" b="0" i="1" smtClean="0">
+                                    <a:latin typeface="Cambria Math" panose="02040503050406030204" pitchFamily="18" charset="0"/>
+                                  </a:rPr>
+                                </m:ctrlPr>
+                              </m:sSubPr>
+                              <m:e>
+                                <m:r>
+                                  <a:rPr lang="en-US" altLang="ko-KR" b="0" i="1" smtClean="0">
+                                    <a:latin typeface="Cambria Math" panose="02040503050406030204" pitchFamily="18" charset="0"/>
+                                  </a:rPr>
+                                  <m:t>h</m:t>
+                                </m:r>
+                              </m:e>
+                              <m:sub>
+                                <m:r>
+                                  <a:rPr lang="en-US" altLang="ko-KR" b="0" i="1" smtClean="0">
+                                    <a:latin typeface="Cambria Math" panose="02040503050406030204" pitchFamily="18" charset="0"/>
+                                  </a:rPr>
+                                  <m:t>𝑥</m:t>
+                                </m:r>
+                                <m:r>
+                                  <a:rPr lang="en-US" altLang="ko-KR" b="0" i="1" smtClean="0">
+                                    <a:latin typeface="Cambria Math" panose="02040503050406030204" pitchFamily="18" charset="0"/>
+                                  </a:rPr>
+                                  <m:t> </m:t>
+                                </m:r>
+                              </m:sub>
+                            </m:sSub>
+                            <m:sSub>
+                              <m:sSubPr>
+                                <m:ctrlPr>
+                                  <a:rPr lang="en-US" altLang="ko-KR" b="0" i="1" smtClean="0">
+                                    <a:latin typeface="Cambria Math" panose="02040503050406030204" pitchFamily="18" charset="0"/>
+                                  </a:rPr>
+                                </m:ctrlPr>
+                              </m:sSubPr>
+                              <m:e>
+                                <m:r>
+                                  <a:rPr lang="en-US" altLang="ko-KR" b="0" i="1" smtClean="0">
+                                    <a:latin typeface="Cambria Math" panose="02040503050406030204" pitchFamily="18" charset="0"/>
+                                  </a:rPr>
+                                  <m:t>h</m:t>
+                                </m:r>
+                              </m:e>
+                              <m:sub>
+                                <m:r>
+                                  <a:rPr lang="en-US" altLang="ko-KR" b="0" i="1" smtClean="0">
+                                    <a:latin typeface="Cambria Math" panose="02040503050406030204" pitchFamily="18" charset="0"/>
+                                  </a:rPr>
+                                  <m:t>𝑦</m:t>
+                                </m:r>
+                              </m:sub>
+                            </m:sSub>
+                          </m:num>
+                          <m:den>
+                            <m:sSub>
+                              <m:sSubPr>
+                                <m:ctrlPr>
+                                  <a:rPr lang="en-US" altLang="ko-KR" b="0" i="1" smtClean="0">
+                                    <a:latin typeface="Cambria Math" panose="02040503050406030204" pitchFamily="18" charset="0"/>
+                                  </a:rPr>
+                                </m:ctrlPr>
+                              </m:sSubPr>
+                              <m:e>
+                                <m:r>
+                                  <a:rPr lang="en-US" altLang="ko-KR" b="0" i="1" smtClean="0">
+                                    <a:latin typeface="Cambria Math" panose="02040503050406030204" pitchFamily="18" charset="0"/>
+                                  </a:rPr>
+                                  <m:t>h</m:t>
+                                </m:r>
+                              </m:e>
+                              <m:sub>
+                                <m:r>
+                                  <a:rPr lang="en-US" altLang="ko-KR" b="0" i="1" smtClean="0">
+                                    <a:latin typeface="Cambria Math" panose="02040503050406030204" pitchFamily="18" charset="0"/>
+                                  </a:rPr>
+                                  <m:t>𝑥</m:t>
+                                </m:r>
+                              </m:sub>
+                            </m:sSub>
+                            <m:r>
+                              <a:rPr lang="en-US" altLang="ko-KR" b="0" i="1" smtClean="0">
+                                <a:latin typeface="Cambria Math" panose="02040503050406030204" pitchFamily="18" charset="0"/>
+                              </a:rPr>
+                              <m:t>+</m:t>
+                            </m:r>
+                            <m:sSub>
+                              <m:sSubPr>
+                                <m:ctrlPr>
+                                  <a:rPr lang="en-US" altLang="ko-KR" b="0" i="1" smtClean="0">
+                                    <a:latin typeface="Cambria Math" panose="02040503050406030204" pitchFamily="18" charset="0"/>
+                                  </a:rPr>
+                                </m:ctrlPr>
+                              </m:sSubPr>
+                              <m:e>
+                                <m:r>
+                                  <a:rPr lang="en-US" altLang="ko-KR" b="0" i="1" smtClean="0">
+                                    <a:latin typeface="Cambria Math" panose="02040503050406030204" pitchFamily="18" charset="0"/>
+                                  </a:rPr>
+                                  <m:t>h</m:t>
+                                </m:r>
+                              </m:e>
+                              <m:sub>
+                                <m:r>
+                                  <a:rPr lang="en-US" altLang="ko-KR" b="0" i="1" smtClean="0">
+                                    <a:latin typeface="Cambria Math" panose="02040503050406030204" pitchFamily="18" charset="0"/>
+                                  </a:rPr>
+                                  <m:t>𝑦</m:t>
+                                </m:r>
+                              </m:sub>
+                            </m:sSub>
+                          </m:den>
+                        </m:f>
+                        <m:r>
+                          <a:rPr lang="en-US" altLang="ko-KR" b="0" i="1" smtClean="0">
+                            <a:latin typeface="Cambria Math" panose="02040503050406030204" pitchFamily="18" charset="0"/>
+                          </a:rPr>
+                          <m:t>=</m:t>
+                        </m:r>
+                        <m:f>
+                          <m:fPr>
+                            <m:ctrlPr>
+                              <a:rPr lang="en-US" altLang="ko-KR" b="0" i="1" smtClean="0">
+                                <a:latin typeface="Cambria Math" panose="02040503050406030204" pitchFamily="18" charset="0"/>
+                              </a:rPr>
+                            </m:ctrlPr>
+                          </m:fPr>
+                          <m:num>
+                            <m:rad>
+                              <m:radPr>
+                                <m:degHide m:val="on"/>
+                                <m:ctrlPr>
+                                  <a:rPr lang="en-US" altLang="ko-KR" i="1">
+                                    <a:latin typeface="Cambria Math" panose="02040503050406030204" pitchFamily="18" charset="0"/>
+                                  </a:rPr>
+                                </m:ctrlPr>
+                              </m:radPr>
+                              <m:deg/>
+                              <m:e>
+                                <m:sSup>
+                                  <m:sSupPr>
+                                    <m:ctrlPr>
+                                      <a:rPr lang="en-US" altLang="ko-KR" i="1">
+                                        <a:latin typeface="Cambria Math" panose="02040503050406030204" pitchFamily="18" charset="0"/>
+                                      </a:rPr>
+                                    </m:ctrlPr>
+                                  </m:sSupPr>
+                                  <m:e>
+                                    <m:r>
+                                      <a:rPr lang="en-US" altLang="ko-KR" i="1">
+                                        <a:latin typeface="Cambria Math" panose="02040503050406030204" pitchFamily="18" charset="0"/>
+                                      </a:rPr>
+                                      <m:t>𝑥</m:t>
+                                    </m:r>
+                                  </m:e>
+                                  <m:sup>
+                                    <m:r>
+                                      <a:rPr lang="en-US" altLang="ko-KR" i="1">
+                                        <a:latin typeface="Cambria Math" panose="02040503050406030204" pitchFamily="18" charset="0"/>
+                                      </a:rPr>
+                                      <m:t>2</m:t>
+                                    </m:r>
+                                  </m:sup>
+                                </m:sSup>
+                                <m:r>
+                                  <a:rPr lang="en-US" altLang="ko-KR" i="1">
+                                    <a:latin typeface="Cambria Math" panose="02040503050406030204" pitchFamily="18" charset="0"/>
+                                  </a:rPr>
+                                  <m:t>−</m:t>
+                                </m:r>
+                                <m:sSup>
+                                  <m:sSupPr>
+                                    <m:ctrlPr>
+                                      <a:rPr lang="en-US" altLang="ko-KR" i="1">
+                                        <a:latin typeface="Cambria Math" panose="02040503050406030204" pitchFamily="18" charset="0"/>
+                                      </a:rPr>
+                                    </m:ctrlPr>
+                                  </m:sSupPr>
+                                  <m:e>
+                                    <m:r>
+                                      <a:rPr lang="en-US" altLang="ko-KR" i="1">
+                                        <a:latin typeface="Cambria Math" panose="02040503050406030204" pitchFamily="18" charset="0"/>
+                                      </a:rPr>
+                                      <m:t>𝑡</m:t>
+                                    </m:r>
+                                  </m:e>
+                                  <m:sup>
+                                    <m:r>
+                                      <a:rPr lang="en-US" altLang="ko-KR" i="1">
+                                        <a:latin typeface="Cambria Math" panose="02040503050406030204" pitchFamily="18" charset="0"/>
+                                      </a:rPr>
+                                      <m:t>2</m:t>
+                                    </m:r>
+                                  </m:sup>
+                                </m:sSup>
+                              </m:e>
+                            </m:rad>
+                            <m:rad>
+                              <m:radPr>
+                                <m:degHide m:val="on"/>
+                                <m:ctrlPr>
+                                  <a:rPr lang="en-US" altLang="ko-KR" i="1">
+                                    <a:latin typeface="Cambria Math" panose="02040503050406030204" pitchFamily="18" charset="0"/>
+                                  </a:rPr>
+                                </m:ctrlPr>
+                              </m:radPr>
+                              <m:deg/>
+                              <m:e>
+                                <m:sSup>
+                                  <m:sSupPr>
+                                    <m:ctrlPr>
+                                      <a:rPr lang="en-US" altLang="ko-KR" i="1">
+                                        <a:latin typeface="Cambria Math" panose="02040503050406030204" pitchFamily="18" charset="0"/>
+                                      </a:rPr>
+                                    </m:ctrlPr>
+                                  </m:sSupPr>
+                                  <m:e>
+                                    <m:r>
+                                      <a:rPr lang="en-US" altLang="ko-KR" i="1">
+                                        <a:latin typeface="Cambria Math" panose="02040503050406030204" pitchFamily="18" charset="0"/>
+                                      </a:rPr>
+                                      <m:t>𝑦</m:t>
+                                    </m:r>
+                                  </m:e>
+                                  <m:sup>
+                                    <m:r>
+                                      <a:rPr lang="en-US" altLang="ko-KR" i="1">
+                                        <a:latin typeface="Cambria Math" panose="02040503050406030204" pitchFamily="18" charset="0"/>
+                                      </a:rPr>
+                                      <m:t>2</m:t>
+                                    </m:r>
+                                  </m:sup>
+                                </m:sSup>
+                                <m:r>
+                                  <a:rPr lang="en-US" altLang="ko-KR" i="1">
+                                    <a:latin typeface="Cambria Math" panose="02040503050406030204" pitchFamily="18" charset="0"/>
+                                  </a:rPr>
+                                  <m:t>−</m:t>
+                                </m:r>
+                                <m:sSup>
+                                  <m:sSupPr>
+                                    <m:ctrlPr>
+                                      <a:rPr lang="en-US" altLang="ko-KR" i="1">
+                                        <a:latin typeface="Cambria Math" panose="02040503050406030204" pitchFamily="18" charset="0"/>
+                                      </a:rPr>
+                                    </m:ctrlPr>
+                                  </m:sSupPr>
+                                  <m:e>
+                                    <m:r>
+                                      <a:rPr lang="en-US" altLang="ko-KR" i="1">
+                                        <a:latin typeface="Cambria Math" panose="02040503050406030204" pitchFamily="18" charset="0"/>
+                                      </a:rPr>
+                                      <m:t>𝑡</m:t>
+                                    </m:r>
+                                  </m:e>
+                                  <m:sup>
+                                    <m:r>
+                                      <a:rPr lang="en-US" altLang="ko-KR" i="1">
+                                        <a:latin typeface="Cambria Math" panose="02040503050406030204" pitchFamily="18" charset="0"/>
+                                      </a:rPr>
+                                      <m:t>2</m:t>
+                                    </m:r>
+                                  </m:sup>
+                                </m:sSup>
+                              </m:e>
+                            </m:rad>
+                          </m:num>
+                          <m:den>
+                            <m:rad>
+                              <m:radPr>
+                                <m:degHide m:val="on"/>
+                                <m:ctrlPr>
+                                  <a:rPr lang="en-US" altLang="ko-KR" b="0" i="1" smtClean="0">
+                                    <a:latin typeface="Cambria Math" panose="02040503050406030204" pitchFamily="18" charset="0"/>
+                                  </a:rPr>
+                                </m:ctrlPr>
+                              </m:radPr>
+                              <m:deg/>
+                              <m:e>
+                                <m:sSup>
+                                  <m:sSupPr>
+                                    <m:ctrlPr>
+                                      <a:rPr lang="en-US" altLang="ko-KR" b="0" i="1" smtClean="0">
+                                        <a:latin typeface="Cambria Math" panose="02040503050406030204" pitchFamily="18" charset="0"/>
+                                      </a:rPr>
+                                    </m:ctrlPr>
+                                  </m:sSupPr>
+                                  <m:e>
+                                    <m:r>
+                                      <a:rPr lang="en-US" altLang="ko-KR" b="0" i="1" smtClean="0">
+                                        <a:latin typeface="Cambria Math" panose="02040503050406030204" pitchFamily="18" charset="0"/>
+                                      </a:rPr>
+                                      <m:t>𝑥</m:t>
+                                    </m:r>
+                                  </m:e>
+                                  <m:sup>
+                                    <m:r>
+                                      <a:rPr lang="en-US" altLang="ko-KR" b="0" i="1" smtClean="0">
+                                        <a:latin typeface="Cambria Math" panose="02040503050406030204" pitchFamily="18" charset="0"/>
+                                      </a:rPr>
+                                      <m:t>2</m:t>
+                                    </m:r>
+                                  </m:sup>
+                                </m:sSup>
+                                <m:r>
+                                  <a:rPr lang="en-US" altLang="ko-KR" b="0" i="1" smtClean="0">
+                                    <a:latin typeface="Cambria Math" panose="02040503050406030204" pitchFamily="18" charset="0"/>
+                                  </a:rPr>
+                                  <m:t>−</m:t>
+                                </m:r>
+                                <m:sSup>
+                                  <m:sSupPr>
+                                    <m:ctrlPr>
+                                      <a:rPr lang="en-US" altLang="ko-KR" b="0" i="1" smtClean="0">
+                                        <a:latin typeface="Cambria Math" panose="02040503050406030204" pitchFamily="18" charset="0"/>
+                                      </a:rPr>
+                                    </m:ctrlPr>
+                                  </m:sSupPr>
+                                  <m:e>
+                                    <m:r>
+                                      <a:rPr lang="en-US" altLang="ko-KR" b="0" i="1" smtClean="0">
+                                        <a:latin typeface="Cambria Math" panose="02040503050406030204" pitchFamily="18" charset="0"/>
+                                      </a:rPr>
+                                      <m:t>𝑡</m:t>
+                                    </m:r>
+                                  </m:e>
+                                  <m:sup>
+                                    <m:r>
+                                      <a:rPr lang="en-US" altLang="ko-KR" b="0" i="1" smtClean="0">
+                                        <a:latin typeface="Cambria Math" panose="02040503050406030204" pitchFamily="18" charset="0"/>
+                                      </a:rPr>
+                                      <m:t>2</m:t>
+                                    </m:r>
+                                  </m:sup>
+                                </m:sSup>
+                              </m:e>
+                            </m:rad>
+                            <m:r>
+                              <a:rPr lang="en-US" altLang="ko-KR" b="0" i="1" smtClean="0">
+                                <a:latin typeface="Cambria Math" panose="02040503050406030204" pitchFamily="18" charset="0"/>
+                              </a:rPr>
+                              <m:t>+</m:t>
+                            </m:r>
+                            <m:rad>
+                              <m:radPr>
+                                <m:degHide m:val="on"/>
+                                <m:ctrlPr>
+                                  <a:rPr lang="en-US" altLang="ko-KR" b="0" i="1" smtClean="0">
+                                    <a:latin typeface="Cambria Math" panose="02040503050406030204" pitchFamily="18" charset="0"/>
+                                  </a:rPr>
+                                </m:ctrlPr>
+                              </m:radPr>
+                              <m:deg/>
+                              <m:e>
+                                <m:sSup>
+                                  <m:sSupPr>
+                                    <m:ctrlPr>
+                                      <a:rPr lang="en-US" altLang="ko-KR" b="0" i="1" smtClean="0">
+                                        <a:latin typeface="Cambria Math" panose="02040503050406030204" pitchFamily="18" charset="0"/>
+                                      </a:rPr>
+                                    </m:ctrlPr>
+                                  </m:sSupPr>
+                                  <m:e>
+                                    <m:r>
+                                      <a:rPr lang="en-US" altLang="ko-KR" b="0" i="1" smtClean="0">
+                                        <a:latin typeface="Cambria Math" panose="02040503050406030204" pitchFamily="18" charset="0"/>
+                                      </a:rPr>
+                                      <m:t>𝑦</m:t>
+                                    </m:r>
+                                  </m:e>
+                                  <m:sup>
+                                    <m:r>
+                                      <a:rPr lang="en-US" altLang="ko-KR" b="0" i="1" smtClean="0">
+                                        <a:latin typeface="Cambria Math" panose="02040503050406030204" pitchFamily="18" charset="0"/>
+                                      </a:rPr>
+                                      <m:t>2</m:t>
+                                    </m:r>
+                                  </m:sup>
+                                </m:sSup>
+                                <m:r>
+                                  <a:rPr lang="en-US" altLang="ko-KR" b="0" i="1" smtClean="0">
+                                    <a:latin typeface="Cambria Math" panose="02040503050406030204" pitchFamily="18" charset="0"/>
+                                  </a:rPr>
+                                  <m:t>−</m:t>
+                                </m:r>
+                                <m:sSup>
+                                  <m:sSupPr>
+                                    <m:ctrlPr>
+                                      <a:rPr lang="en-US" altLang="ko-KR" b="0" i="1" smtClean="0">
+                                        <a:latin typeface="Cambria Math" panose="02040503050406030204" pitchFamily="18" charset="0"/>
+                                      </a:rPr>
+                                    </m:ctrlPr>
+                                  </m:sSupPr>
+                                  <m:e>
+                                    <m:r>
+                                      <a:rPr lang="en-US" altLang="ko-KR" b="0" i="1" smtClean="0">
+                                        <a:latin typeface="Cambria Math" panose="02040503050406030204" pitchFamily="18" charset="0"/>
+                                      </a:rPr>
+                                      <m:t>𝑡</m:t>
+                                    </m:r>
+                                  </m:e>
+                                  <m:sup>
+                                    <m:r>
+                                      <a:rPr lang="en-US" altLang="ko-KR" b="0" i="1" smtClean="0">
+                                        <a:latin typeface="Cambria Math" panose="02040503050406030204" pitchFamily="18" charset="0"/>
+                                      </a:rPr>
+                                      <m:t>2</m:t>
+                                    </m:r>
+                                  </m:sup>
+                                </m:sSup>
+                              </m:e>
+                            </m:rad>
+                          </m:den>
+                        </m:f>
+                      </m:oMath>
+                    </m:oMathPara>
+                  </a14:m>
+                  <a:endParaRPr lang="en-US" altLang="ko-KR" b="0" dirty="0" smtClean="0"/>
+                </a:p>
+              </p:txBody>
+            </p:sp>
+          </mc:Choice>
+          <mc:Fallback>
+            <p:sp>
+              <p:nvSpPr>
+                <p:cNvPr id="37" name="TextBox 36"/>
+                <p:cNvSpPr txBox="1">
+                  <a:spLocks noRot="1" noChangeAspect="1" noMove="1" noResize="1" noEditPoints="1" noAdjustHandles="1" noChangeArrowheads="1" noChangeShapeType="1" noTextEdit="1"/>
+                </p:cNvSpPr>
+                <p:nvPr/>
+              </p:nvSpPr>
+              <p:spPr>
+                <a:xfrm>
+                  <a:off x="6139568" y="4098693"/>
+                  <a:ext cx="3680943" cy="717697"/>
+                </a:xfrm>
+                <a:prstGeom prst="rect">
+                  <a:avLst/>
+                </a:prstGeom>
+                <a:blipFill>
+                  <a:blip r:embed="rId9"/>
+                  <a:stretch>
+                    <a:fillRect/>
+                  </a:stretch>
+                </a:blipFill>
+              </p:spPr>
+              <p:txBody>
+                <a:bodyPr/>
+                <a:lstStyle/>
+                <a:p>
+                  <a:r>
+                    <a:rPr lang="ko-KR" altLang="en-US">
+                      <a:noFill/>
+                    </a:rPr>
+                    <a:t> </a:t>
+                  </a:r>
+                </a:p>
+              </p:txBody>
+            </p:sp>
+          </mc:Fallback>
+        </mc:AlternateContent>
+      </p:grpSp>
+    </p:spTree>
+    <p:extLst>
+      <p:ext uri="{BB962C8B-B14F-4D97-AF65-F5344CB8AC3E}">
+        <p14:creationId xmlns:p14="http://schemas.microsoft.com/office/powerpoint/2010/main" val="1903987423"/>
+      </p:ext>
+    </p:extLst>
+  </p:cSld>
+  <p:clrMapOvr>
+    <a:masterClrMapping/>
+  </p:clrMapOvr>
+</p:sld>
+</file>
+
 <file path=ppt/theme/theme1.xml><?xml version="1.0" encoding="utf-8"?>
 <a:theme xmlns:a="http://schemas.openxmlformats.org/drawingml/2006/main" name="Office 테마">
   <a:themeElements>
